--- a/presentation/jolton_non_native_phoneme_generalization.pptx
+++ b/presentation/jolton_non_native_phoneme_generalization.pptx
@@ -4,11 +4,29 @@
   <p:sldMasterIdLst>
     <p:sldMasterId id="2147483648" r:id="rId1"/>
   </p:sldMasterIdLst>
+  <p:notesMasterIdLst>
+    <p:notesMasterId r:id="rId21"/>
+  </p:notesMasterIdLst>
   <p:sldIdLst>
     <p:sldId id="256" r:id="rId2"/>
     <p:sldId id="257" r:id="rId3"/>
     <p:sldId id="258" r:id="rId4"/>
-    <p:sldId id="259" r:id="rId5"/>
+    <p:sldId id="272" r:id="rId5"/>
+    <p:sldId id="259" r:id="rId6"/>
+    <p:sldId id="266" r:id="rId7"/>
+    <p:sldId id="267" r:id="rId8"/>
+    <p:sldId id="260" r:id="rId9"/>
+    <p:sldId id="261" r:id="rId10"/>
+    <p:sldId id="271" r:id="rId11"/>
+    <p:sldId id="262" r:id="rId12"/>
+    <p:sldId id="263" r:id="rId13"/>
+    <p:sldId id="269" r:id="rId14"/>
+    <p:sldId id="275" r:id="rId15"/>
+    <p:sldId id="270" r:id="rId16"/>
+    <p:sldId id="268" r:id="rId17"/>
+    <p:sldId id="265" r:id="rId18"/>
+    <p:sldId id="273" r:id="rId19"/>
+    <p:sldId id="274" r:id="rId20"/>
   </p:sldIdLst>
   <p:sldSz cx="9144000" cy="6858000" type="screen4x3"/>
   <p:notesSz cx="6858000" cy="9144000"/>
@@ -110,6 +128,437 @@
 </p:presentation>
 </file>
 
+<file path=ppt/notesMasters/notesMaster1.xml><?xml version="1.0" encoding="utf-8"?>
+<p:notesMaster xmlns:a="http://schemas.openxmlformats.org/drawingml/2006/main" xmlns:r="http://schemas.openxmlformats.org/officeDocument/2006/relationships" xmlns:mc="http://schemas.openxmlformats.org/markup-compatibility/2006" xmlns:mv="urn:schemas-microsoft-com:mac:vml" xmlns:p="http://schemas.openxmlformats.org/presentationml/2006/main" mc:Ignorable="mv" mc:PreserveAttributes="mv:*">
+  <p:cSld>
+    <p:bg>
+      <p:bgRef idx="1001">
+        <a:schemeClr val="bg1"/>
+      </p:bgRef>
+    </p:bg>
+    <p:spTree>
+      <p:nvGrpSpPr>
+        <p:cNvPr id="1" name=""/>
+        <p:cNvGrpSpPr/>
+        <p:nvPr/>
+      </p:nvGrpSpPr>
+      <p:grpSpPr>
+        <a:xfrm>
+          <a:off x="0" y="0"/>
+          <a:ext cx="0" cy="0"/>
+          <a:chOff x="0" y="0"/>
+          <a:chExt cx="0" cy="0"/>
+        </a:xfrm>
+      </p:grpSpPr>
+      <p:sp>
+        <p:nvSpPr>
+          <p:cNvPr id="2" name="Header Placeholder 1"/>
+          <p:cNvSpPr>
+            <a:spLocks noGrp="1"/>
+          </p:cNvSpPr>
+          <p:nvPr>
+            <p:ph type="hdr" sz="quarter"/>
+          </p:nvPr>
+        </p:nvSpPr>
+        <p:spPr>
+          <a:xfrm>
+            <a:off x="0" y="0"/>
+            <a:ext cx="2971800" cy="457200"/>
+          </a:xfrm>
+          <a:prstGeom prst="rect">
+            <a:avLst/>
+          </a:prstGeom>
+        </p:spPr>
+        <p:txBody>
+          <a:bodyPr vert="horz" lIns="91440" tIns="45720" rIns="91440" bIns="45720" rtlCol="0"/>
+          <a:lstStyle>
+            <a:lvl1pPr algn="l">
+              <a:defRPr sz="1200"/>
+            </a:lvl1pPr>
+          </a:lstStyle>
+          <a:p>
+            <a:endParaRPr lang="en-US"/>
+          </a:p>
+        </p:txBody>
+      </p:sp>
+      <p:sp>
+        <p:nvSpPr>
+          <p:cNvPr id="3" name="Date Placeholder 2"/>
+          <p:cNvSpPr>
+            <a:spLocks noGrp="1"/>
+          </p:cNvSpPr>
+          <p:nvPr>
+            <p:ph type="dt" idx="1"/>
+          </p:nvPr>
+        </p:nvSpPr>
+        <p:spPr>
+          <a:xfrm>
+            <a:off x="3884613" y="0"/>
+            <a:ext cx="2971800" cy="457200"/>
+          </a:xfrm>
+          <a:prstGeom prst="rect">
+            <a:avLst/>
+          </a:prstGeom>
+        </p:spPr>
+        <p:txBody>
+          <a:bodyPr vert="horz" lIns="91440" tIns="45720" rIns="91440" bIns="45720" rtlCol="0"/>
+          <a:lstStyle>
+            <a:lvl1pPr algn="r">
+              <a:defRPr sz="1200"/>
+            </a:lvl1pPr>
+          </a:lstStyle>
+          <a:p>
+            <a:fld id="{A0ED4C73-D72E-2943-8DA5-DB38BEE361D0}" type="datetimeFigureOut">
+              <a:rPr lang="en-US" smtClean="0"/>
+              <a:pPr/>
+              <a:t>12/3/15</a:t>
+            </a:fld>
+            <a:endParaRPr lang="en-US"/>
+          </a:p>
+        </p:txBody>
+      </p:sp>
+      <p:sp>
+        <p:nvSpPr>
+          <p:cNvPr id="4" name="Slide Image Placeholder 3"/>
+          <p:cNvSpPr>
+            <a:spLocks noGrp="1" noRot="1" noChangeAspect="1"/>
+          </p:cNvSpPr>
+          <p:nvPr>
+            <p:ph type="sldImg" idx="2"/>
+          </p:nvPr>
+        </p:nvSpPr>
+        <p:spPr>
+          <a:xfrm>
+            <a:off x="1143000" y="685800"/>
+            <a:ext cx="4572000" cy="3429000"/>
+          </a:xfrm>
+          <a:prstGeom prst="rect">
+            <a:avLst/>
+          </a:prstGeom>
+          <a:noFill/>
+          <a:ln w="12700">
+            <a:solidFill>
+              <a:prstClr val="black"/>
+            </a:solidFill>
+          </a:ln>
+        </p:spPr>
+        <p:txBody>
+          <a:bodyPr vert="horz" lIns="91440" tIns="45720" rIns="91440" bIns="45720" rtlCol="0" anchor="ctr"/>
+          <a:lstStyle/>
+          <a:p>
+            <a:endParaRPr lang="en-US"/>
+          </a:p>
+        </p:txBody>
+      </p:sp>
+      <p:sp>
+        <p:nvSpPr>
+          <p:cNvPr id="5" name="Notes Placeholder 4"/>
+          <p:cNvSpPr>
+            <a:spLocks noGrp="1"/>
+          </p:cNvSpPr>
+          <p:nvPr>
+            <p:ph type="body" sz="quarter" idx="3"/>
+          </p:nvPr>
+        </p:nvSpPr>
+        <p:spPr>
+          <a:xfrm>
+            <a:off x="685800" y="4343400"/>
+            <a:ext cx="5486400" cy="4114800"/>
+          </a:xfrm>
+          <a:prstGeom prst="rect">
+            <a:avLst/>
+          </a:prstGeom>
+        </p:spPr>
+        <p:txBody>
+          <a:bodyPr vert="horz" lIns="91440" tIns="45720" rIns="91440" bIns="45720" rtlCol="0">
+            <a:normAutofit/>
+          </a:bodyPr>
+          <a:lstStyle/>
+          <a:p>
+            <a:pPr lvl="0"/>
+            <a:r>
+              <a:rPr lang="en-US" smtClean="0"/>
+              <a:t>Click to edit Master text styles</a:t>
+            </a:r>
+          </a:p>
+          <a:p>
+            <a:pPr lvl="1"/>
+            <a:r>
+              <a:rPr lang="en-US" smtClean="0"/>
+              <a:t>Second level</a:t>
+            </a:r>
+          </a:p>
+          <a:p>
+            <a:pPr lvl="2"/>
+            <a:r>
+              <a:rPr lang="en-US" smtClean="0"/>
+              <a:t>Third level</a:t>
+            </a:r>
+          </a:p>
+          <a:p>
+            <a:pPr lvl="3"/>
+            <a:r>
+              <a:rPr lang="en-US" smtClean="0"/>
+              <a:t>Fourth level</a:t>
+            </a:r>
+          </a:p>
+          <a:p>
+            <a:pPr lvl="4"/>
+            <a:r>
+              <a:rPr lang="en-US" smtClean="0"/>
+              <a:t>Fifth level</a:t>
+            </a:r>
+            <a:endParaRPr lang="en-US"/>
+          </a:p>
+        </p:txBody>
+      </p:sp>
+      <p:sp>
+        <p:nvSpPr>
+          <p:cNvPr id="6" name="Footer Placeholder 5"/>
+          <p:cNvSpPr>
+            <a:spLocks noGrp="1"/>
+          </p:cNvSpPr>
+          <p:nvPr>
+            <p:ph type="ftr" sz="quarter" idx="4"/>
+          </p:nvPr>
+        </p:nvSpPr>
+        <p:spPr>
+          <a:xfrm>
+            <a:off x="0" y="8685213"/>
+            <a:ext cx="2971800" cy="457200"/>
+          </a:xfrm>
+          <a:prstGeom prst="rect">
+            <a:avLst/>
+          </a:prstGeom>
+        </p:spPr>
+        <p:txBody>
+          <a:bodyPr vert="horz" lIns="91440" tIns="45720" rIns="91440" bIns="45720" rtlCol="0" anchor="b"/>
+          <a:lstStyle>
+            <a:lvl1pPr algn="l">
+              <a:defRPr sz="1200"/>
+            </a:lvl1pPr>
+          </a:lstStyle>
+          <a:p>
+            <a:endParaRPr lang="en-US"/>
+          </a:p>
+        </p:txBody>
+      </p:sp>
+      <p:sp>
+        <p:nvSpPr>
+          <p:cNvPr id="7" name="Slide Number Placeholder 6"/>
+          <p:cNvSpPr>
+            <a:spLocks noGrp="1"/>
+          </p:cNvSpPr>
+          <p:nvPr>
+            <p:ph type="sldNum" sz="quarter" idx="5"/>
+          </p:nvPr>
+        </p:nvSpPr>
+        <p:spPr>
+          <a:xfrm>
+            <a:off x="3884613" y="8685213"/>
+            <a:ext cx="2971800" cy="457200"/>
+          </a:xfrm>
+          <a:prstGeom prst="rect">
+            <a:avLst/>
+          </a:prstGeom>
+        </p:spPr>
+        <p:txBody>
+          <a:bodyPr vert="horz" lIns="91440" tIns="45720" rIns="91440" bIns="45720" rtlCol="0" anchor="b"/>
+          <a:lstStyle>
+            <a:lvl1pPr algn="r">
+              <a:defRPr sz="1200"/>
+            </a:lvl1pPr>
+          </a:lstStyle>
+          <a:p>
+            <a:fld id="{5636FA72-5F6F-144C-B212-A996649AC12B}" type="slidenum">
+              <a:rPr lang="en-US" smtClean="0"/>
+              <a:pPr/>
+              <a:t>‹#›</a:t>
+            </a:fld>
+            <a:endParaRPr lang="en-US"/>
+          </a:p>
+        </p:txBody>
+      </p:sp>
+    </p:spTree>
+  </p:cSld>
+  <p:clrMap bg1="lt1" tx1="dk1" bg2="lt2" tx2="dk2" accent1="accent1" accent2="accent2" accent3="accent3" accent4="accent4" accent5="accent5" accent6="accent6" hlink="hlink" folHlink="folHlink"/>
+  <p:notesStyle>
+    <a:lvl1pPr marL="0" algn="l" defTabSz="457200" rtl="0" eaLnBrk="1" latinLnBrk="0" hangingPunct="1">
+      <a:defRPr sz="1200" kern="1200">
+        <a:solidFill>
+          <a:schemeClr val="tx1"/>
+        </a:solidFill>
+        <a:latin typeface="+mn-lt"/>
+        <a:ea typeface="+mn-ea"/>
+        <a:cs typeface="+mn-cs"/>
+      </a:defRPr>
+    </a:lvl1pPr>
+    <a:lvl2pPr marL="457200" algn="l" defTabSz="457200" rtl="0" eaLnBrk="1" latinLnBrk="0" hangingPunct="1">
+      <a:defRPr sz="1200" kern="1200">
+        <a:solidFill>
+          <a:schemeClr val="tx1"/>
+        </a:solidFill>
+        <a:latin typeface="+mn-lt"/>
+        <a:ea typeface="+mn-ea"/>
+        <a:cs typeface="+mn-cs"/>
+      </a:defRPr>
+    </a:lvl2pPr>
+    <a:lvl3pPr marL="914400" algn="l" defTabSz="457200" rtl="0" eaLnBrk="1" latinLnBrk="0" hangingPunct="1">
+      <a:defRPr sz="1200" kern="1200">
+        <a:solidFill>
+          <a:schemeClr val="tx1"/>
+        </a:solidFill>
+        <a:latin typeface="+mn-lt"/>
+        <a:ea typeface="+mn-ea"/>
+        <a:cs typeface="+mn-cs"/>
+      </a:defRPr>
+    </a:lvl3pPr>
+    <a:lvl4pPr marL="1371600" algn="l" defTabSz="457200" rtl="0" eaLnBrk="1" latinLnBrk="0" hangingPunct="1">
+      <a:defRPr sz="1200" kern="1200">
+        <a:solidFill>
+          <a:schemeClr val="tx1"/>
+        </a:solidFill>
+        <a:latin typeface="+mn-lt"/>
+        <a:ea typeface="+mn-ea"/>
+        <a:cs typeface="+mn-cs"/>
+      </a:defRPr>
+    </a:lvl4pPr>
+    <a:lvl5pPr marL="1828800" algn="l" defTabSz="457200" rtl="0" eaLnBrk="1" latinLnBrk="0" hangingPunct="1">
+      <a:defRPr sz="1200" kern="1200">
+        <a:solidFill>
+          <a:schemeClr val="tx1"/>
+        </a:solidFill>
+        <a:latin typeface="+mn-lt"/>
+        <a:ea typeface="+mn-ea"/>
+        <a:cs typeface="+mn-cs"/>
+      </a:defRPr>
+    </a:lvl5pPr>
+    <a:lvl6pPr marL="2286000" algn="l" defTabSz="457200" rtl="0" eaLnBrk="1" latinLnBrk="0" hangingPunct="1">
+      <a:defRPr sz="1200" kern="1200">
+        <a:solidFill>
+          <a:schemeClr val="tx1"/>
+        </a:solidFill>
+        <a:latin typeface="+mn-lt"/>
+        <a:ea typeface="+mn-ea"/>
+        <a:cs typeface="+mn-cs"/>
+      </a:defRPr>
+    </a:lvl6pPr>
+    <a:lvl7pPr marL="2743200" algn="l" defTabSz="457200" rtl="0" eaLnBrk="1" latinLnBrk="0" hangingPunct="1">
+      <a:defRPr sz="1200" kern="1200">
+        <a:solidFill>
+          <a:schemeClr val="tx1"/>
+        </a:solidFill>
+        <a:latin typeface="+mn-lt"/>
+        <a:ea typeface="+mn-ea"/>
+        <a:cs typeface="+mn-cs"/>
+      </a:defRPr>
+    </a:lvl7pPr>
+    <a:lvl8pPr marL="3200400" algn="l" defTabSz="457200" rtl="0" eaLnBrk="1" latinLnBrk="0" hangingPunct="1">
+      <a:defRPr sz="1200" kern="1200">
+        <a:solidFill>
+          <a:schemeClr val="tx1"/>
+        </a:solidFill>
+        <a:latin typeface="+mn-lt"/>
+        <a:ea typeface="+mn-ea"/>
+        <a:cs typeface="+mn-cs"/>
+      </a:defRPr>
+    </a:lvl8pPr>
+    <a:lvl9pPr marL="3657600" algn="l" defTabSz="457200" rtl="0" eaLnBrk="1" latinLnBrk="0" hangingPunct="1">
+      <a:defRPr sz="1200" kern="1200">
+        <a:solidFill>
+          <a:schemeClr val="tx1"/>
+        </a:solidFill>
+        <a:latin typeface="+mn-lt"/>
+        <a:ea typeface="+mn-ea"/>
+        <a:cs typeface="+mn-cs"/>
+      </a:defRPr>
+    </a:lvl9pPr>
+  </p:notesStyle>
+</p:notesMaster>
+</file>
+
+<file path=ppt/notesSlides/notesSlide1.xml><?xml version="1.0" encoding="utf-8"?>
+<p:notes xmlns:a="http://schemas.openxmlformats.org/drawingml/2006/main" xmlns:r="http://schemas.openxmlformats.org/officeDocument/2006/relationships" xmlns:mc="http://schemas.openxmlformats.org/markup-compatibility/2006" xmlns:mv="urn:schemas-microsoft-com:mac:vml" xmlns:p="http://schemas.openxmlformats.org/presentationml/2006/main" mc:Ignorable="mv" mc:PreserveAttributes="mv:*">
+  <p:cSld>
+    <p:spTree>
+      <p:nvGrpSpPr>
+        <p:cNvPr id="1" name=""/>
+        <p:cNvGrpSpPr/>
+        <p:nvPr/>
+      </p:nvGrpSpPr>
+      <p:grpSpPr>
+        <a:xfrm>
+          <a:off x="0" y="0"/>
+          <a:ext cx="0" cy="0"/>
+          <a:chOff x="0" y="0"/>
+          <a:chExt cx="0" cy="0"/>
+        </a:xfrm>
+      </p:grpSpPr>
+      <p:sp>
+        <p:nvSpPr>
+          <p:cNvPr id="2" name="Slide Image Placeholder 1"/>
+          <p:cNvSpPr>
+            <a:spLocks noGrp="1" noRot="1" noChangeAspect="1"/>
+          </p:cNvSpPr>
+          <p:nvPr>
+            <p:ph type="sldImg"/>
+          </p:nvPr>
+        </p:nvSpPr>
+        <p:spPr/>
+      </p:sp>
+      <p:sp>
+        <p:nvSpPr>
+          <p:cNvPr id="3" name="Notes Placeholder 2"/>
+          <p:cNvSpPr>
+            <a:spLocks noGrp="1"/>
+          </p:cNvSpPr>
+          <p:nvPr>
+            <p:ph type="body" idx="1"/>
+          </p:nvPr>
+        </p:nvSpPr>
+        <p:spPr/>
+        <p:txBody>
+          <a:bodyPr>
+            <a:normAutofit/>
+          </a:bodyPr>
+          <a:lstStyle/>
+          <a:p>
+            <a:endParaRPr lang="en-US" dirty="0"/>
+          </a:p>
+        </p:txBody>
+      </p:sp>
+      <p:sp>
+        <p:nvSpPr>
+          <p:cNvPr id="4" name="Slide Number Placeholder 3"/>
+          <p:cNvSpPr>
+            <a:spLocks noGrp="1"/>
+          </p:cNvSpPr>
+          <p:nvPr>
+            <p:ph type="sldNum" sz="quarter" idx="10"/>
+          </p:nvPr>
+        </p:nvSpPr>
+        <p:spPr/>
+        <p:txBody>
+          <a:bodyPr/>
+          <a:lstStyle/>
+          <a:p>
+            <a:fld id="{5636FA72-5F6F-144C-B212-A996649AC12B}" type="slidenum">
+              <a:rPr lang="en-US" smtClean="0"/>
+              <a:pPr/>
+              <a:t>12</a:t>
+            </a:fld>
+            <a:endParaRPr lang="en-US"/>
+          </a:p>
+        </p:txBody>
+      </p:sp>
+    </p:spTree>
+  </p:cSld>
+  <p:clrMapOvr>
+    <a:masterClrMapping/>
+  </p:clrMapOvr>
+</p:notes>
+</file>
+
 <file path=ppt/slideLayouts/slideLayout1.xml><?xml version="1.0" encoding="utf-8"?>
 <p:sldLayout xmlns:a="http://schemas.openxmlformats.org/drawingml/2006/main" xmlns:r="http://schemas.openxmlformats.org/officeDocument/2006/relationships" xmlns:mc="http://schemas.openxmlformats.org/markup-compatibility/2006" xmlns:mv="urn:schemas-microsoft-com:mac:vml" xmlns:p="http://schemas.openxmlformats.org/presentationml/2006/main" mc:Ignorable="mv" mc:PreserveAttributes="mv:*" type="title" preserve="1">
   <p:cSld name="Title Slide">
@@ -291,7 +740,8 @@
           <a:p>
             <a:fld id="{56BD92CC-DA37-4C48-98B0-D35146AF942F}" type="datetimeFigureOut">
               <a:rPr lang="en-US" smtClean="0"/>
-              <a:t>12/1/15</a:t>
+              <a:pPr/>
+              <a:t>12/3/15</a:t>
             </a:fld>
             <a:endParaRPr lang="en-US"/>
           </a:p>
@@ -333,6 +783,7 @@
           <a:p>
             <a:fld id="{097B8353-D7CA-AC45-92D9-68DAF943DCE6}" type="slidenum">
               <a:rPr lang="en-US" smtClean="0"/>
+              <a:pPr/>
               <a:t>‹#›</a:t>
             </a:fld>
             <a:endParaRPr lang="en-US"/>
@@ -456,7 +907,8 @@
           <a:p>
             <a:fld id="{56BD92CC-DA37-4C48-98B0-D35146AF942F}" type="datetimeFigureOut">
               <a:rPr lang="en-US" smtClean="0"/>
-              <a:t>12/1/15</a:t>
+              <a:pPr/>
+              <a:t>12/3/15</a:t>
             </a:fld>
             <a:endParaRPr lang="en-US"/>
           </a:p>
@@ -498,6 +950,7 @@
           <a:p>
             <a:fld id="{097B8353-D7CA-AC45-92D9-68DAF943DCE6}" type="slidenum">
               <a:rPr lang="en-US" smtClean="0"/>
+              <a:pPr/>
               <a:t>‹#›</a:t>
             </a:fld>
             <a:endParaRPr lang="en-US"/>
@@ -631,7 +1084,8 @@
           <a:p>
             <a:fld id="{56BD92CC-DA37-4C48-98B0-D35146AF942F}" type="datetimeFigureOut">
               <a:rPr lang="en-US" smtClean="0"/>
-              <a:t>12/1/15</a:t>
+              <a:pPr/>
+              <a:t>12/3/15</a:t>
             </a:fld>
             <a:endParaRPr lang="en-US"/>
           </a:p>
@@ -673,6 +1127,7 @@
           <a:p>
             <a:fld id="{097B8353-D7CA-AC45-92D9-68DAF943DCE6}" type="slidenum">
               <a:rPr lang="en-US" smtClean="0"/>
+              <a:pPr/>
               <a:t>‹#›</a:t>
             </a:fld>
             <a:endParaRPr lang="en-US"/>
@@ -796,7 +1251,8 @@
           <a:p>
             <a:fld id="{56BD92CC-DA37-4C48-98B0-D35146AF942F}" type="datetimeFigureOut">
               <a:rPr lang="en-US" smtClean="0"/>
-              <a:t>12/1/15</a:t>
+              <a:pPr/>
+              <a:t>12/3/15</a:t>
             </a:fld>
             <a:endParaRPr lang="en-US"/>
           </a:p>
@@ -838,6 +1294,7 @@
           <a:p>
             <a:fld id="{097B8353-D7CA-AC45-92D9-68DAF943DCE6}" type="slidenum">
               <a:rPr lang="en-US" smtClean="0"/>
+              <a:pPr/>
               <a:t>‹#›</a:t>
             </a:fld>
             <a:endParaRPr lang="en-US"/>
@@ -1037,7 +1494,8 @@
           <a:p>
             <a:fld id="{56BD92CC-DA37-4C48-98B0-D35146AF942F}" type="datetimeFigureOut">
               <a:rPr lang="en-US" smtClean="0"/>
-              <a:t>12/1/15</a:t>
+              <a:pPr/>
+              <a:t>12/3/15</a:t>
             </a:fld>
             <a:endParaRPr lang="en-US"/>
           </a:p>
@@ -1079,6 +1537,7 @@
           <a:p>
             <a:fld id="{097B8353-D7CA-AC45-92D9-68DAF943DCE6}" type="slidenum">
               <a:rPr lang="en-US" smtClean="0"/>
+              <a:pPr/>
               <a:t>‹#›</a:t>
             </a:fld>
             <a:endParaRPr lang="en-US"/>
@@ -1320,7 +1779,8 @@
           <a:p>
             <a:fld id="{56BD92CC-DA37-4C48-98B0-D35146AF942F}" type="datetimeFigureOut">
               <a:rPr lang="en-US" smtClean="0"/>
-              <a:t>12/1/15</a:t>
+              <a:pPr/>
+              <a:t>12/3/15</a:t>
             </a:fld>
             <a:endParaRPr lang="en-US"/>
           </a:p>
@@ -1362,6 +1822,7 @@
           <a:p>
             <a:fld id="{097B8353-D7CA-AC45-92D9-68DAF943DCE6}" type="slidenum">
               <a:rPr lang="en-US" smtClean="0"/>
+              <a:pPr/>
               <a:t>‹#›</a:t>
             </a:fld>
             <a:endParaRPr lang="en-US"/>
@@ -1737,7 +2198,8 @@
           <a:p>
             <a:fld id="{56BD92CC-DA37-4C48-98B0-D35146AF942F}" type="datetimeFigureOut">
               <a:rPr lang="en-US" smtClean="0"/>
-              <a:t>12/1/15</a:t>
+              <a:pPr/>
+              <a:t>12/3/15</a:t>
             </a:fld>
             <a:endParaRPr lang="en-US"/>
           </a:p>
@@ -1779,6 +2241,7 @@
           <a:p>
             <a:fld id="{097B8353-D7CA-AC45-92D9-68DAF943DCE6}" type="slidenum">
               <a:rPr lang="en-US" smtClean="0"/>
+              <a:pPr/>
               <a:t>‹#›</a:t>
             </a:fld>
             <a:endParaRPr lang="en-US"/>
@@ -1850,7 +2313,8 @@
           <a:p>
             <a:fld id="{56BD92CC-DA37-4C48-98B0-D35146AF942F}" type="datetimeFigureOut">
               <a:rPr lang="en-US" smtClean="0"/>
-              <a:t>12/1/15</a:t>
+              <a:pPr/>
+              <a:t>12/3/15</a:t>
             </a:fld>
             <a:endParaRPr lang="en-US"/>
           </a:p>
@@ -1892,6 +2356,7 @@
           <a:p>
             <a:fld id="{097B8353-D7CA-AC45-92D9-68DAF943DCE6}" type="slidenum">
               <a:rPr lang="en-US" smtClean="0"/>
+              <a:pPr/>
               <a:t>‹#›</a:t>
             </a:fld>
             <a:endParaRPr lang="en-US"/>
@@ -1940,7 +2405,8 @@
           <a:p>
             <a:fld id="{56BD92CC-DA37-4C48-98B0-D35146AF942F}" type="datetimeFigureOut">
               <a:rPr lang="en-US" smtClean="0"/>
-              <a:t>12/1/15</a:t>
+              <a:pPr/>
+              <a:t>12/3/15</a:t>
             </a:fld>
             <a:endParaRPr lang="en-US"/>
           </a:p>
@@ -1982,6 +2448,7 @@
           <a:p>
             <a:fld id="{097B8353-D7CA-AC45-92D9-68DAF943DCE6}" type="slidenum">
               <a:rPr lang="en-US" smtClean="0"/>
+              <a:pPr/>
               <a:t>‹#›</a:t>
             </a:fld>
             <a:endParaRPr lang="en-US"/>
@@ -2212,7 +2679,8 @@
           <a:p>
             <a:fld id="{56BD92CC-DA37-4C48-98B0-D35146AF942F}" type="datetimeFigureOut">
               <a:rPr lang="en-US" smtClean="0"/>
-              <a:t>12/1/15</a:t>
+              <a:pPr/>
+              <a:t>12/3/15</a:t>
             </a:fld>
             <a:endParaRPr lang="en-US"/>
           </a:p>
@@ -2254,6 +2722,7 @@
           <a:p>
             <a:fld id="{097B8353-D7CA-AC45-92D9-68DAF943DCE6}" type="slidenum">
               <a:rPr lang="en-US" smtClean="0"/>
+              <a:pPr/>
               <a:t>‹#›</a:t>
             </a:fld>
             <a:endParaRPr lang="en-US"/>
@@ -2460,7 +2929,8 @@
           <a:p>
             <a:fld id="{56BD92CC-DA37-4C48-98B0-D35146AF942F}" type="datetimeFigureOut">
               <a:rPr lang="en-US" smtClean="0"/>
-              <a:t>12/1/15</a:t>
+              <a:pPr/>
+              <a:t>12/3/15</a:t>
             </a:fld>
             <a:endParaRPr lang="en-US"/>
           </a:p>
@@ -2502,6 +2972,7 @@
           <a:p>
             <a:fld id="{097B8353-D7CA-AC45-92D9-68DAF943DCE6}" type="slidenum">
               <a:rPr lang="en-US" smtClean="0"/>
+              <a:pPr/>
               <a:t>‹#›</a:t>
             </a:fld>
             <a:endParaRPr lang="en-US"/>
@@ -2668,7 +3139,8 @@
           <a:p>
             <a:fld id="{56BD92CC-DA37-4C48-98B0-D35146AF942F}" type="datetimeFigureOut">
               <a:rPr lang="en-US" smtClean="0"/>
-              <a:t>12/1/15</a:t>
+              <a:pPr/>
+              <a:t>12/3/15</a:t>
             </a:fld>
             <a:endParaRPr lang="en-US"/>
           </a:p>
@@ -2746,6 +3218,7 @@
           <a:p>
             <a:fld id="{097B8353-D7CA-AC45-92D9-68DAF943DCE6}" type="slidenum">
               <a:rPr lang="en-US" smtClean="0"/>
+              <a:pPr/>
               <a:t>‹#›</a:t>
             </a:fld>
             <a:endParaRPr lang="en-US"/>
@@ -3084,12 +3557,1740 @@
           <a:p>
             <a:r>
               <a:rPr lang="en-US" dirty="0" smtClean="0">
+                <a:solidFill>
+                  <a:schemeClr val="tx1"/>
+                </a:solidFill>
                 <a:latin typeface="Helvetica"/>
                 <a:cs typeface="Helvetica"/>
               </a:rPr>
               <a:t>Jared Jolton</a:t>
             </a:r>
             <a:endParaRPr lang="en-US" dirty="0">
+              <a:solidFill>
+                <a:schemeClr val="tx1"/>
+              </a:solidFill>
+              <a:latin typeface="Helvetica"/>
+              <a:cs typeface="Helvetica"/>
+            </a:endParaRPr>
+          </a:p>
+        </p:txBody>
+      </p:sp>
+    </p:spTree>
+  </p:cSld>
+  <p:clrMapOvr>
+    <a:masterClrMapping/>
+  </p:clrMapOvr>
+</p:sld>
+</file>
+
+<file path=ppt/slides/slide10.xml><?xml version="1.0" encoding="utf-8"?>
+<p:sld xmlns:a="http://schemas.openxmlformats.org/drawingml/2006/main" xmlns:r="http://schemas.openxmlformats.org/officeDocument/2006/relationships" xmlns:mc="http://schemas.openxmlformats.org/markup-compatibility/2006" xmlns:mv="urn:schemas-microsoft-com:mac:vml" xmlns:p="http://schemas.openxmlformats.org/presentationml/2006/main" mc:Ignorable="mv" mc:PreserveAttributes="mv:*">
+  <p:cSld>
+    <p:spTree>
+      <p:nvGrpSpPr>
+        <p:cNvPr id="1" name=""/>
+        <p:cNvGrpSpPr/>
+        <p:nvPr/>
+      </p:nvGrpSpPr>
+      <p:grpSpPr>
+        <a:xfrm>
+          <a:off x="0" y="0"/>
+          <a:ext cx="0" cy="0"/>
+          <a:chOff x="0" y="0"/>
+          <a:chExt cx="0" cy="0"/>
+        </a:xfrm>
+      </p:grpSpPr>
+      <p:sp>
+        <p:nvSpPr>
+          <p:cNvPr id="2" name="Title 1"/>
+          <p:cNvSpPr>
+            <a:spLocks noGrp="1"/>
+          </p:cNvSpPr>
+          <p:nvPr>
+            <p:ph type="title"/>
+          </p:nvPr>
+        </p:nvSpPr>
+        <p:spPr/>
+        <p:txBody>
+          <a:bodyPr/>
+          <a:lstStyle/>
+          <a:p>
+            <a:r>
+              <a:rPr lang="en-US" dirty="0" smtClean="0"/>
+              <a:t>Linear Scale</a:t>
+            </a:r>
+            <a:endParaRPr lang="en-US" dirty="0"/>
+          </a:p>
+        </p:txBody>
+      </p:sp>
+      <p:pic>
+        <p:nvPicPr>
+          <p:cNvPr id="5" name="Content Placeholder 4" descr="Screen Shot 2015-12-02 at 8.49.22 PM.png"/>
+          <p:cNvPicPr>
+            <a:picLocks noGrp="1" noChangeAspect="1"/>
+          </p:cNvPicPr>
+          <p:nvPr>
+            <p:ph idx="1"/>
+          </p:nvPr>
+        </p:nvPicPr>
+        <p:blipFill>
+          <a:blip r:embed="rId2"/>
+          <a:srcRect t="-20" b="-20"/>
+          <a:stretch>
+            <a:fillRect/>
+          </a:stretch>
+        </p:blipFill>
+        <p:spPr/>
+      </p:pic>
+    </p:spTree>
+  </p:cSld>
+  <p:clrMapOvr>
+    <a:masterClrMapping/>
+  </p:clrMapOvr>
+</p:sld>
+</file>
+
+<file path=ppt/slides/slide11.xml><?xml version="1.0" encoding="utf-8"?>
+<p:sld xmlns:a="http://schemas.openxmlformats.org/drawingml/2006/main" xmlns:r="http://schemas.openxmlformats.org/officeDocument/2006/relationships" xmlns:mc="http://schemas.openxmlformats.org/markup-compatibility/2006" xmlns:mv="urn:schemas-microsoft-com:mac:vml" xmlns:p="http://schemas.openxmlformats.org/presentationml/2006/main" mc:Ignorable="mv" mc:PreserveAttributes="mv:*">
+  <p:cSld>
+    <p:spTree>
+      <p:nvGrpSpPr>
+        <p:cNvPr id="1" name=""/>
+        <p:cNvGrpSpPr/>
+        <p:nvPr/>
+      </p:nvGrpSpPr>
+      <p:grpSpPr>
+        <a:xfrm>
+          <a:off x="0" y="0"/>
+          <a:ext cx="0" cy="0"/>
+          <a:chOff x="0" y="0"/>
+          <a:chExt cx="0" cy="0"/>
+        </a:xfrm>
+      </p:grpSpPr>
+      <p:sp>
+        <p:nvSpPr>
+          <p:cNvPr id="2" name="Title 1"/>
+          <p:cNvSpPr>
+            <a:spLocks noGrp="1"/>
+          </p:cNvSpPr>
+          <p:nvPr>
+            <p:ph type="title"/>
+          </p:nvPr>
+        </p:nvSpPr>
+        <p:spPr>
+          <a:xfrm>
+            <a:off x="457200" y="0"/>
+            <a:ext cx="8229600" cy="1143000"/>
+          </a:xfrm>
+        </p:spPr>
+        <p:txBody>
+          <a:bodyPr/>
+          <a:lstStyle/>
+          <a:p>
+            <a:r>
+              <a:rPr lang="en-US" dirty="0" smtClean="0">
+                <a:latin typeface="Helvetica"/>
+                <a:cs typeface="Helvetica"/>
+              </a:rPr>
+              <a:t>Hard Stuff</a:t>
+            </a:r>
+            <a:endParaRPr lang="en-US" dirty="0">
+              <a:latin typeface="Helvetica"/>
+              <a:cs typeface="Helvetica"/>
+            </a:endParaRPr>
+          </a:p>
+        </p:txBody>
+      </p:sp>
+      <p:pic>
+        <p:nvPicPr>
+          <p:cNvPr id="4" name="Content Placeholder 3" descr="chi_f.png"/>
+          <p:cNvPicPr>
+            <a:picLocks noGrp="1" noChangeAspect="1"/>
+          </p:cNvPicPr>
+          <p:nvPr>
+            <p:ph idx="1"/>
+          </p:nvPr>
+        </p:nvPicPr>
+        <p:blipFill>
+          <a:blip r:embed="rId2"/>
+          <a:srcRect l="-2762" r="-2762"/>
+          <a:stretch>
+            <a:fillRect/>
+          </a:stretch>
+        </p:blipFill>
+        <p:spPr>
+          <a:xfrm>
+            <a:off x="457200" y="1094838"/>
+            <a:ext cx="3687584" cy="2028029"/>
+          </a:xfrm>
+        </p:spPr>
+      </p:pic>
+      <p:sp>
+        <p:nvSpPr>
+          <p:cNvPr id="5" name="TextBox 4"/>
+          <p:cNvSpPr txBox="1"/>
+          <p:nvPr/>
+        </p:nvSpPr>
+        <p:spPr>
+          <a:xfrm>
+            <a:off x="1606882" y="3226530"/>
+            <a:ext cx="1390450" cy="369332"/>
+          </a:xfrm>
+          <a:prstGeom prst="rect">
+            <a:avLst/>
+          </a:prstGeom>
+          <a:noFill/>
+        </p:spPr>
+        <p:txBody>
+          <a:bodyPr wrap="none" rtlCol="0">
+            <a:spAutoFit/>
+          </a:bodyPr>
+          <a:lstStyle/>
+          <a:p>
+            <a:r>
+              <a:rPr lang="en-US" dirty="0" smtClean="0">
+                <a:latin typeface="Helvetica"/>
+                <a:cs typeface="Helvetica"/>
+              </a:rPr>
+              <a:t>chi (female)</a:t>
+            </a:r>
+            <a:endParaRPr lang="en-US" dirty="0">
+              <a:latin typeface="Helvetica"/>
+              <a:cs typeface="Helvetica"/>
+            </a:endParaRPr>
+          </a:p>
+        </p:txBody>
+      </p:sp>
+      <p:pic>
+        <p:nvPicPr>
+          <p:cNvPr id="6" name="Content Placeholder 3" descr="chi_f.png"/>
+          <p:cNvPicPr>
+            <a:picLocks noChangeAspect="1"/>
+          </p:cNvPicPr>
+          <p:nvPr/>
+        </p:nvPicPr>
+        <p:blipFill>
+          <a:blip r:embed="rId3"/>
+          <a:stretch>
+            <a:fillRect/>
+          </a:stretch>
+        </p:blipFill>
+        <p:spPr>
+          <a:xfrm>
+            <a:off x="5093571" y="1091742"/>
+            <a:ext cx="3498874" cy="2028029"/>
+          </a:xfrm>
+          <a:prstGeom prst="rect">
+            <a:avLst/>
+          </a:prstGeom>
+        </p:spPr>
+      </p:pic>
+      <p:sp>
+        <p:nvSpPr>
+          <p:cNvPr id="7" name="TextBox 6"/>
+          <p:cNvSpPr txBox="1"/>
+          <p:nvPr/>
+        </p:nvSpPr>
+        <p:spPr>
+          <a:xfrm>
+            <a:off x="6148898" y="3223434"/>
+            <a:ext cx="1197939" cy="369332"/>
+          </a:xfrm>
+          <a:prstGeom prst="rect">
+            <a:avLst/>
+          </a:prstGeom>
+          <a:noFill/>
+        </p:spPr>
+        <p:txBody>
+          <a:bodyPr wrap="none" rtlCol="0">
+            <a:spAutoFit/>
+          </a:bodyPr>
+          <a:lstStyle/>
+          <a:p>
+            <a:r>
+              <a:rPr lang="en-US" dirty="0" smtClean="0">
+                <a:latin typeface="Helvetica"/>
+                <a:cs typeface="Helvetica"/>
+              </a:rPr>
+              <a:t>chi (male)</a:t>
+            </a:r>
+            <a:endParaRPr lang="en-US" dirty="0">
+              <a:latin typeface="Helvetica"/>
+              <a:cs typeface="Helvetica"/>
+            </a:endParaRPr>
+          </a:p>
+        </p:txBody>
+      </p:sp>
+      <p:pic>
+        <p:nvPicPr>
+          <p:cNvPr id="8" name="Content Placeholder 3" descr="chi_f.png"/>
+          <p:cNvPicPr>
+            <a:picLocks noChangeAspect="1"/>
+          </p:cNvPicPr>
+          <p:nvPr/>
+        </p:nvPicPr>
+        <p:blipFill>
+          <a:blip r:embed="rId4"/>
+          <a:stretch>
+            <a:fillRect/>
+          </a:stretch>
+        </p:blipFill>
+        <p:spPr>
+          <a:xfrm>
+            <a:off x="547874" y="3955451"/>
+            <a:ext cx="3506236" cy="2028029"/>
+          </a:xfrm>
+          <a:prstGeom prst="rect">
+            <a:avLst/>
+          </a:prstGeom>
+        </p:spPr>
+      </p:pic>
+      <p:sp>
+        <p:nvSpPr>
+          <p:cNvPr id="9" name="TextBox 8"/>
+          <p:cNvSpPr txBox="1"/>
+          <p:nvPr/>
+        </p:nvSpPr>
+        <p:spPr>
+          <a:xfrm>
+            <a:off x="1606882" y="6035311"/>
+            <a:ext cx="1339166" cy="369332"/>
+          </a:xfrm>
+          <a:prstGeom prst="rect">
+            <a:avLst/>
+          </a:prstGeom>
+          <a:noFill/>
+        </p:spPr>
+        <p:txBody>
+          <a:bodyPr wrap="none" rtlCol="0">
+            <a:spAutoFit/>
+          </a:bodyPr>
+          <a:lstStyle/>
+          <a:p>
+            <a:r>
+              <a:rPr lang="en-US" dirty="0" err="1" smtClean="0">
+                <a:latin typeface="Helvetica"/>
+                <a:cs typeface="Helvetica"/>
+              </a:rPr>
+              <a:t>ku</a:t>
+            </a:r>
+            <a:r>
+              <a:rPr lang="en-US" dirty="0" smtClean="0">
+                <a:latin typeface="Helvetica"/>
+                <a:cs typeface="Helvetica"/>
+              </a:rPr>
+              <a:t> (female)</a:t>
+            </a:r>
+            <a:endParaRPr lang="en-US" dirty="0">
+              <a:latin typeface="Helvetica"/>
+              <a:cs typeface="Helvetica"/>
+            </a:endParaRPr>
+          </a:p>
+        </p:txBody>
+      </p:sp>
+      <p:pic>
+        <p:nvPicPr>
+          <p:cNvPr id="10" name="Content Placeholder 3" descr="chi_f.png"/>
+          <p:cNvPicPr>
+            <a:picLocks noChangeAspect="1"/>
+          </p:cNvPicPr>
+          <p:nvPr/>
+        </p:nvPicPr>
+        <p:blipFill>
+          <a:blip r:embed="rId5"/>
+          <a:stretch>
+            <a:fillRect/>
+          </a:stretch>
+        </p:blipFill>
+        <p:spPr>
+          <a:xfrm>
+            <a:off x="5093571" y="3956617"/>
+            <a:ext cx="3498874" cy="2019504"/>
+          </a:xfrm>
+          <a:prstGeom prst="rect">
+            <a:avLst/>
+          </a:prstGeom>
+        </p:spPr>
+      </p:pic>
+      <p:sp>
+        <p:nvSpPr>
+          <p:cNvPr id="11" name="TextBox 10"/>
+          <p:cNvSpPr txBox="1"/>
+          <p:nvPr/>
+        </p:nvSpPr>
+        <p:spPr>
+          <a:xfrm>
+            <a:off x="6148898" y="6032215"/>
+            <a:ext cx="1146656" cy="369332"/>
+          </a:xfrm>
+          <a:prstGeom prst="rect">
+            <a:avLst/>
+          </a:prstGeom>
+          <a:noFill/>
+        </p:spPr>
+        <p:txBody>
+          <a:bodyPr wrap="none" rtlCol="0">
+            <a:spAutoFit/>
+          </a:bodyPr>
+          <a:lstStyle/>
+          <a:p>
+            <a:r>
+              <a:rPr lang="en-US" dirty="0" err="1" smtClean="0">
+                <a:latin typeface="Helvetica"/>
+                <a:cs typeface="Helvetica"/>
+              </a:rPr>
+              <a:t>ku</a:t>
+            </a:r>
+            <a:r>
+              <a:rPr lang="en-US" dirty="0" smtClean="0">
+                <a:latin typeface="Helvetica"/>
+                <a:cs typeface="Helvetica"/>
+              </a:rPr>
+              <a:t> (male)</a:t>
+            </a:r>
+            <a:endParaRPr lang="en-US" dirty="0">
+              <a:latin typeface="Helvetica"/>
+              <a:cs typeface="Helvetica"/>
+            </a:endParaRPr>
+          </a:p>
+        </p:txBody>
+      </p:sp>
+    </p:spTree>
+  </p:cSld>
+  <p:clrMapOvr>
+    <a:masterClrMapping/>
+  </p:clrMapOvr>
+</p:sld>
+</file>
+
+<file path=ppt/slides/slide12.xml><?xml version="1.0" encoding="utf-8"?>
+<p:sld xmlns:a="http://schemas.openxmlformats.org/drawingml/2006/main" xmlns:r="http://schemas.openxmlformats.org/officeDocument/2006/relationships" xmlns:mc="http://schemas.openxmlformats.org/markup-compatibility/2006" xmlns:mv="urn:schemas-microsoft-com:mac:vml" xmlns:p="http://schemas.openxmlformats.org/presentationml/2006/main" mc:Ignorable="mv" mc:PreserveAttributes="mv:*">
+  <p:cSld>
+    <p:spTree>
+      <p:nvGrpSpPr>
+        <p:cNvPr id="1" name=""/>
+        <p:cNvGrpSpPr/>
+        <p:nvPr/>
+      </p:nvGrpSpPr>
+      <p:grpSpPr>
+        <a:xfrm>
+          <a:off x="0" y="0"/>
+          <a:ext cx="0" cy="0"/>
+          <a:chOff x="0" y="0"/>
+          <a:chExt cx="0" cy="0"/>
+        </a:xfrm>
+      </p:grpSpPr>
+      <p:sp>
+        <p:nvSpPr>
+          <p:cNvPr id="2" name="Title 1"/>
+          <p:cNvSpPr>
+            <a:spLocks noGrp="1"/>
+          </p:cNvSpPr>
+          <p:nvPr>
+            <p:ph type="title"/>
+          </p:nvPr>
+        </p:nvSpPr>
+        <p:spPr/>
+        <p:txBody>
+          <a:bodyPr/>
+          <a:lstStyle/>
+          <a:p>
+            <a:r>
+              <a:rPr lang="en-US" dirty="0" smtClean="0">
+                <a:latin typeface="Helvetica"/>
+                <a:cs typeface="Helvetica"/>
+              </a:rPr>
+              <a:t>Made Harder </a:t>
+            </a:r>
+            <a:endParaRPr lang="en-US" dirty="0">
+              <a:latin typeface="Helvetica"/>
+              <a:cs typeface="Helvetica"/>
+            </a:endParaRPr>
+          </a:p>
+        </p:txBody>
+      </p:sp>
+      <p:pic>
+        <p:nvPicPr>
+          <p:cNvPr id="4" name="Content Placeholder 3" descr="ma_m.jpg"/>
+          <p:cNvPicPr>
+            <a:picLocks noGrp="1" noChangeAspect="1"/>
+          </p:cNvPicPr>
+          <p:nvPr>
+            <p:ph idx="1"/>
+          </p:nvPr>
+        </p:nvPicPr>
+        <p:blipFill>
+          <a:blip r:embed="rId3"/>
+          <a:srcRect l="-40915" r="-40915"/>
+          <a:stretch>
+            <a:fillRect/>
+          </a:stretch>
+        </p:blipFill>
+        <p:spPr>
+          <a:xfrm>
+            <a:off x="-1194704" y="1600201"/>
+            <a:ext cx="7245380" cy="3984680"/>
+          </a:xfrm>
+        </p:spPr>
+      </p:pic>
+      <p:sp>
+        <p:nvSpPr>
+          <p:cNvPr id="6" name="TextBox 5"/>
+          <p:cNvSpPr txBox="1"/>
+          <p:nvPr/>
+        </p:nvSpPr>
+        <p:spPr>
+          <a:xfrm>
+            <a:off x="1758761" y="5775151"/>
+            <a:ext cx="1196562" cy="400110"/>
+          </a:xfrm>
+          <a:prstGeom prst="rect">
+            <a:avLst/>
+          </a:prstGeom>
+          <a:noFill/>
+        </p:spPr>
+        <p:txBody>
+          <a:bodyPr wrap="none" rtlCol="0">
+            <a:spAutoFit/>
+          </a:bodyPr>
+          <a:lstStyle/>
+          <a:p>
+            <a:r>
+              <a:rPr lang="en-US" sz="2000" dirty="0" smtClean="0">
+                <a:latin typeface="Helvetica"/>
+                <a:cs typeface="Helvetica"/>
+              </a:rPr>
+              <a:t>fu (male)</a:t>
+            </a:r>
+            <a:endParaRPr lang="en-US" sz="2000" dirty="0">
+              <a:latin typeface="Helvetica"/>
+              <a:cs typeface="Helvetica"/>
+            </a:endParaRPr>
+          </a:p>
+        </p:txBody>
+      </p:sp>
+      <p:pic>
+        <p:nvPicPr>
+          <p:cNvPr id="7" name="Content Placeholder 3" descr="ma_m.jpg"/>
+          <p:cNvPicPr>
+            <a:picLocks noChangeAspect="1"/>
+          </p:cNvPicPr>
+          <p:nvPr/>
+        </p:nvPicPr>
+        <p:blipFill>
+          <a:blip r:embed="rId4"/>
+          <a:stretch>
+            <a:fillRect/>
+          </a:stretch>
+        </p:blipFill>
+        <p:spPr>
+          <a:xfrm>
+            <a:off x="4738073" y="1600201"/>
+            <a:ext cx="3984680" cy="3984680"/>
+          </a:xfrm>
+          <a:prstGeom prst="rect">
+            <a:avLst/>
+          </a:prstGeom>
+        </p:spPr>
+      </p:pic>
+      <p:sp>
+        <p:nvSpPr>
+          <p:cNvPr id="8" name="TextBox 7"/>
+          <p:cNvSpPr txBox="1"/>
+          <p:nvPr/>
+        </p:nvSpPr>
+        <p:spPr>
+          <a:xfrm>
+            <a:off x="6061188" y="5775151"/>
+            <a:ext cx="1039643" cy="400110"/>
+          </a:xfrm>
+          <a:prstGeom prst="rect">
+            <a:avLst/>
+          </a:prstGeom>
+          <a:noFill/>
+        </p:spPr>
+        <p:txBody>
+          <a:bodyPr wrap="none" rtlCol="0">
+            <a:spAutoFit/>
+          </a:bodyPr>
+          <a:lstStyle/>
+          <a:p>
+            <a:r>
+              <a:rPr lang="en-US" sz="2000" dirty="0" err="1" smtClean="0">
+                <a:latin typeface="Helvetica"/>
+                <a:cs typeface="Helvetica"/>
+              </a:rPr>
+              <a:t>i</a:t>
+            </a:r>
+            <a:r>
+              <a:rPr lang="en-US" sz="2000" dirty="0" smtClean="0">
+                <a:latin typeface="Helvetica"/>
+                <a:cs typeface="Helvetica"/>
+              </a:rPr>
+              <a:t> (male)</a:t>
+            </a:r>
+            <a:endParaRPr lang="en-US" sz="2000" dirty="0">
+              <a:latin typeface="Helvetica"/>
+              <a:cs typeface="Helvetica"/>
+            </a:endParaRPr>
+          </a:p>
+        </p:txBody>
+      </p:sp>
+    </p:spTree>
+  </p:cSld>
+  <p:clrMapOvr>
+    <a:masterClrMapping/>
+  </p:clrMapOvr>
+</p:sld>
+</file>
+
+<file path=ppt/slides/slide13.xml><?xml version="1.0" encoding="utf-8"?>
+<p:sld xmlns:a="http://schemas.openxmlformats.org/drawingml/2006/main" xmlns:r="http://schemas.openxmlformats.org/officeDocument/2006/relationships" xmlns:mc="http://schemas.openxmlformats.org/markup-compatibility/2006" xmlns:mv="urn:schemas-microsoft-com:mac:vml" xmlns:p="http://schemas.openxmlformats.org/presentationml/2006/main" mc:Ignorable="mv" mc:PreserveAttributes="mv:*">
+  <p:cSld>
+    <p:spTree>
+      <p:nvGrpSpPr>
+        <p:cNvPr id="1" name=""/>
+        <p:cNvGrpSpPr/>
+        <p:nvPr/>
+      </p:nvGrpSpPr>
+      <p:grpSpPr>
+        <a:xfrm>
+          <a:off x="0" y="0"/>
+          <a:ext cx="0" cy="0"/>
+          <a:chOff x="0" y="0"/>
+          <a:chExt cx="0" cy="0"/>
+        </a:xfrm>
+      </p:grpSpPr>
+      <p:sp>
+        <p:nvSpPr>
+          <p:cNvPr id="2" name="Title 1"/>
+          <p:cNvSpPr>
+            <a:spLocks noGrp="1"/>
+          </p:cNvSpPr>
+          <p:nvPr>
+            <p:ph type="title"/>
+          </p:nvPr>
+        </p:nvSpPr>
+        <p:spPr>
+          <a:xfrm>
+            <a:off x="457200" y="246201"/>
+            <a:ext cx="8229600" cy="1143000"/>
+          </a:xfrm>
+        </p:spPr>
+        <p:txBody>
+          <a:bodyPr/>
+          <a:lstStyle/>
+          <a:p>
+            <a:r>
+              <a:rPr lang="en-US" dirty="0" smtClean="0">
+                <a:latin typeface="Helvetica"/>
+                <a:cs typeface="Helvetica"/>
+              </a:rPr>
+              <a:t>Performance</a:t>
+            </a:r>
+            <a:endParaRPr lang="en-US" dirty="0">
+              <a:latin typeface="Helvetica"/>
+              <a:cs typeface="Helvetica"/>
+            </a:endParaRPr>
+          </a:p>
+        </p:txBody>
+      </p:sp>
+      <p:sp>
+        <p:nvSpPr>
+          <p:cNvPr id="4" name="TextBox 3"/>
+          <p:cNvSpPr txBox="1"/>
+          <p:nvPr/>
+        </p:nvSpPr>
+        <p:spPr>
+          <a:xfrm>
+            <a:off x="275778" y="1389201"/>
+            <a:ext cx="8686800" cy="2677656"/>
+          </a:xfrm>
+          <a:prstGeom prst="rect">
+            <a:avLst/>
+          </a:prstGeom>
+          <a:noFill/>
+        </p:spPr>
+        <p:txBody>
+          <a:bodyPr wrap="square" rtlCol="0">
+            <a:spAutoFit/>
+          </a:bodyPr>
+          <a:lstStyle/>
+          <a:p>
+            <a:pPr>
+              <a:buFont typeface="Arial"/>
+              <a:buChar char="•"/>
+            </a:pPr>
+            <a:r>
+              <a:rPr lang="en-US" sz="2400" dirty="0" smtClean="0">
+                <a:latin typeface="Helvetica"/>
+                <a:cs typeface="Helvetica"/>
+              </a:rPr>
+              <a:t> Network has learned </a:t>
+            </a:r>
+            <a:r>
+              <a:rPr lang="en-US" sz="2400" dirty="0" smtClean="0">
+                <a:latin typeface="Helvetica"/>
+                <a:cs typeface="Helvetica"/>
+              </a:rPr>
+              <a:t>to classify 10 phoneme variants in ~</a:t>
+            </a:r>
+            <a:r>
+              <a:rPr lang="en-US" sz="2400" dirty="0" smtClean="0">
+                <a:latin typeface="Helvetica"/>
+                <a:cs typeface="Helvetica"/>
+              </a:rPr>
+              <a:t>12 </a:t>
+            </a:r>
+            <a:r>
+              <a:rPr lang="en-US" sz="2400" dirty="0" smtClean="0">
+                <a:latin typeface="Helvetica"/>
+                <a:cs typeface="Helvetica"/>
+              </a:rPr>
+              <a:t>epochs</a:t>
+            </a:r>
+          </a:p>
+          <a:p>
+            <a:pPr lvl="1">
+              <a:buFont typeface="Arial"/>
+              <a:buChar char="•"/>
+            </a:pPr>
+            <a:r>
+              <a:rPr lang="en-US" sz="2400" dirty="0" smtClean="0">
+                <a:latin typeface="Helvetica"/>
+                <a:cs typeface="Helvetica"/>
+              </a:rPr>
+              <a:t> 5 with female voice</a:t>
+            </a:r>
+          </a:p>
+          <a:p>
+            <a:pPr lvl="1">
+              <a:buFont typeface="Arial"/>
+              <a:buChar char="•"/>
+            </a:pPr>
+            <a:r>
+              <a:rPr lang="en-US" sz="2400" dirty="0" smtClean="0">
+                <a:latin typeface="Helvetica"/>
+                <a:cs typeface="Helvetica"/>
+              </a:rPr>
+              <a:t> 5 with male voice</a:t>
+            </a:r>
+          </a:p>
+          <a:p>
+            <a:pPr lvl="1">
+              <a:buFont typeface="Arial"/>
+              <a:buChar char="•"/>
+            </a:pPr>
+            <a:endParaRPr lang="en-US" sz="2400" dirty="0" smtClean="0">
+              <a:latin typeface="Helvetica"/>
+              <a:cs typeface="Helvetica"/>
+            </a:endParaRPr>
+          </a:p>
+          <a:p>
+            <a:pPr lvl="1"/>
+            <a:endParaRPr lang="en-US" sz="2400" dirty="0" smtClean="0">
+              <a:latin typeface="Helvetica"/>
+              <a:cs typeface="Helvetica"/>
+            </a:endParaRPr>
+          </a:p>
+          <a:p>
+            <a:pPr lvl="1"/>
+            <a:endParaRPr lang="en-US" sz="2400" dirty="0" smtClean="0">
+              <a:latin typeface="Helvetica"/>
+              <a:cs typeface="Helvetica"/>
+            </a:endParaRPr>
+          </a:p>
+        </p:txBody>
+      </p:sp>
+      <p:sp>
+        <p:nvSpPr>
+          <p:cNvPr id="5" name="TextBox 4"/>
+          <p:cNvSpPr txBox="1"/>
+          <p:nvPr/>
+        </p:nvSpPr>
+        <p:spPr>
+          <a:xfrm>
+            <a:off x="275778" y="2728029"/>
+            <a:ext cx="8686800" cy="4893647"/>
+          </a:xfrm>
+          <a:prstGeom prst="rect">
+            <a:avLst/>
+          </a:prstGeom>
+          <a:noFill/>
+        </p:spPr>
+        <p:txBody>
+          <a:bodyPr wrap="square" rtlCol="0">
+            <a:spAutoFit/>
+          </a:bodyPr>
+          <a:lstStyle/>
+          <a:p>
+            <a:endParaRPr lang="en-US" sz="2400" dirty="0" smtClean="0">
+              <a:latin typeface="Helvetica"/>
+              <a:cs typeface="Helvetica"/>
+            </a:endParaRPr>
+          </a:p>
+          <a:p>
+            <a:pPr>
+              <a:buFont typeface="Arial"/>
+              <a:buChar char="•"/>
+            </a:pPr>
+            <a:r>
+              <a:rPr lang="en-US" sz="2400" dirty="0" smtClean="0">
+                <a:latin typeface="Helvetica"/>
+                <a:cs typeface="Helvetica"/>
+              </a:rPr>
+              <a:t> The </a:t>
+            </a:r>
+            <a:r>
+              <a:rPr lang="en-US" sz="2400" dirty="0" smtClean="0">
+                <a:latin typeface="Helvetica"/>
+                <a:cs typeface="Helvetica"/>
+              </a:rPr>
+              <a:t>program makes around 800,000,000 computations each epoch! … which can take a while</a:t>
+            </a:r>
+          </a:p>
+          <a:p>
+            <a:endParaRPr lang="en-US" sz="2400" dirty="0" smtClean="0">
+              <a:latin typeface="Helvetica"/>
+              <a:cs typeface="Helvetica"/>
+            </a:endParaRPr>
+          </a:p>
+          <a:p>
+            <a:pPr>
+              <a:buFont typeface="Arial"/>
+              <a:buChar char="•"/>
+            </a:pPr>
+            <a:r>
+              <a:rPr lang="en-US" sz="2400" dirty="0" smtClean="0">
+                <a:latin typeface="Helvetica"/>
+                <a:cs typeface="Helvetica"/>
+              </a:rPr>
+              <a:t> Performance </a:t>
+            </a:r>
+            <a:r>
+              <a:rPr lang="en-US" sz="2400" dirty="0" smtClean="0">
+                <a:latin typeface="Helvetica"/>
+                <a:cs typeface="Helvetica"/>
+              </a:rPr>
+              <a:t>is largely dependent on initial random weights</a:t>
+            </a:r>
+          </a:p>
+          <a:p>
+            <a:pPr lvl="1">
+              <a:buFont typeface="Arial"/>
+              <a:buChar char="•"/>
+            </a:pPr>
+            <a:r>
+              <a:rPr lang="en-US" sz="2400" dirty="0" smtClean="0">
+                <a:latin typeface="Helvetica"/>
+                <a:cs typeface="Helvetica"/>
+              </a:rPr>
+              <a:t> Just like how some people have more trouble than others learning to distinguish foreign speech </a:t>
+            </a:r>
+            <a:r>
+              <a:rPr lang="en-US" sz="2400" dirty="0" smtClean="0">
+                <a:latin typeface="Helvetica"/>
+                <a:cs typeface="Helvetica"/>
+              </a:rPr>
+              <a:t>sounds</a:t>
+            </a:r>
+          </a:p>
+          <a:p>
+            <a:pPr lvl="1"/>
+            <a:endParaRPr lang="en-US" sz="2400" dirty="0" smtClean="0">
+              <a:latin typeface="Helvetica"/>
+              <a:cs typeface="Helvetica"/>
+            </a:endParaRPr>
+          </a:p>
+          <a:p>
+            <a:pPr>
+              <a:buFont typeface="Arial"/>
+              <a:buChar char="•"/>
+            </a:pPr>
+            <a:endParaRPr lang="en-US" sz="2400" dirty="0" smtClean="0">
+              <a:latin typeface="Helvetica"/>
+              <a:cs typeface="Helvetica"/>
+            </a:endParaRPr>
+          </a:p>
+          <a:p>
+            <a:endParaRPr lang="en-US" sz="2400" dirty="0" smtClean="0">
+              <a:latin typeface="Helvetica"/>
+              <a:cs typeface="Helvetica"/>
+            </a:endParaRPr>
+          </a:p>
+          <a:p>
+            <a:pPr lvl="1">
+              <a:buFont typeface="Arial"/>
+              <a:buChar char="•"/>
+            </a:pPr>
+            <a:endParaRPr lang="en-US" sz="2400" dirty="0" smtClean="0">
+              <a:latin typeface="Helvetica"/>
+              <a:cs typeface="Helvetica"/>
+            </a:endParaRPr>
+          </a:p>
+          <a:p>
+            <a:pPr lvl="1"/>
+            <a:endParaRPr lang="en-US" sz="2400" dirty="0" smtClean="0">
+              <a:latin typeface="Helvetica"/>
+              <a:cs typeface="Helvetica"/>
+            </a:endParaRPr>
+          </a:p>
+          <a:p>
+            <a:pPr lvl="1"/>
+            <a:endParaRPr lang="en-US" sz="2400" dirty="0" smtClean="0">
+              <a:latin typeface="Helvetica"/>
+              <a:cs typeface="Helvetica"/>
+            </a:endParaRPr>
+          </a:p>
+        </p:txBody>
+      </p:sp>
+    </p:spTree>
+  </p:cSld>
+  <p:clrMapOvr>
+    <a:masterClrMapping/>
+  </p:clrMapOvr>
+</p:sld>
+</file>
+
+<file path=ppt/slides/slide14.xml><?xml version="1.0" encoding="utf-8"?>
+<p:sld xmlns:a="http://schemas.openxmlformats.org/drawingml/2006/main" xmlns:r="http://schemas.openxmlformats.org/officeDocument/2006/relationships" xmlns:mc="http://schemas.openxmlformats.org/markup-compatibility/2006" xmlns:mv="urn:schemas-microsoft-com:mac:vml" xmlns:p="http://schemas.openxmlformats.org/presentationml/2006/main" mc:Ignorable="mv" mc:PreserveAttributes="mv:*">
+  <p:cSld>
+    <p:spTree>
+      <p:nvGrpSpPr>
+        <p:cNvPr id="1" name=""/>
+        <p:cNvGrpSpPr/>
+        <p:nvPr/>
+      </p:nvGrpSpPr>
+      <p:grpSpPr>
+        <a:xfrm>
+          <a:off x="0" y="0"/>
+          <a:ext cx="0" cy="0"/>
+          <a:chOff x="0" y="0"/>
+          <a:chExt cx="0" cy="0"/>
+        </a:xfrm>
+      </p:grpSpPr>
+      <p:pic>
+        <p:nvPicPr>
+          <p:cNvPr id="4" name="Content Placeholder 3" descr="image.png"/>
+          <p:cNvPicPr>
+            <a:picLocks noGrp="1" noChangeAspect="1"/>
+          </p:cNvPicPr>
+          <p:nvPr>
+            <p:ph idx="1"/>
+          </p:nvPr>
+        </p:nvPicPr>
+        <p:blipFill>
+          <a:blip r:embed="rId2"/>
+          <a:srcRect l="-6216" r="-6216"/>
+          <a:stretch>
+            <a:fillRect/>
+          </a:stretch>
+        </p:blipFill>
+        <p:spPr>
+          <a:xfrm>
+            <a:off x="-294105" y="427614"/>
+            <a:ext cx="10361726" cy="5698550"/>
+          </a:xfrm>
+        </p:spPr>
+      </p:pic>
+    </p:spTree>
+  </p:cSld>
+  <p:clrMapOvr>
+    <a:masterClrMapping/>
+  </p:clrMapOvr>
+</p:sld>
+</file>
+
+<file path=ppt/slides/slide15.xml><?xml version="1.0" encoding="utf-8"?>
+<p:sld xmlns:a="http://schemas.openxmlformats.org/drawingml/2006/main" xmlns:r="http://schemas.openxmlformats.org/officeDocument/2006/relationships" xmlns:mc="http://schemas.openxmlformats.org/markup-compatibility/2006" xmlns:mv="urn:schemas-microsoft-com:mac:vml" xmlns:p="http://schemas.openxmlformats.org/presentationml/2006/main" mc:Ignorable="mv" mc:PreserveAttributes="mv:*">
+  <p:cSld>
+    <p:spTree>
+      <p:nvGrpSpPr>
+        <p:cNvPr id="1" name=""/>
+        <p:cNvGrpSpPr/>
+        <p:nvPr/>
+      </p:nvGrpSpPr>
+      <p:grpSpPr>
+        <a:xfrm>
+          <a:off x="0" y="0"/>
+          <a:ext cx="0" cy="0"/>
+          <a:chOff x="0" y="0"/>
+          <a:chExt cx="0" cy="0"/>
+        </a:xfrm>
+      </p:grpSpPr>
+      <p:sp>
+        <p:nvSpPr>
+          <p:cNvPr id="2" name="Title 1"/>
+          <p:cNvSpPr>
+            <a:spLocks noGrp="1"/>
+          </p:cNvSpPr>
+          <p:nvPr>
+            <p:ph type="title"/>
+          </p:nvPr>
+        </p:nvSpPr>
+        <p:spPr/>
+        <p:txBody>
+          <a:bodyPr/>
+          <a:lstStyle/>
+          <a:p>
+            <a:r>
+              <a:rPr lang="en-US" dirty="0" smtClean="0">
+                <a:latin typeface="Helvetica"/>
+                <a:cs typeface="Helvetica"/>
+              </a:rPr>
+              <a:t>Generalizing to new sounds</a:t>
+            </a:r>
+            <a:endParaRPr lang="en-US" dirty="0">
+              <a:latin typeface="Helvetica"/>
+              <a:cs typeface="Helvetica"/>
+            </a:endParaRPr>
+          </a:p>
+        </p:txBody>
+      </p:sp>
+      <p:sp>
+        <p:nvSpPr>
+          <p:cNvPr id="3" name="Content Placeholder 2"/>
+          <p:cNvSpPr>
+            <a:spLocks noGrp="1"/>
+          </p:cNvSpPr>
+          <p:nvPr>
+            <p:ph idx="1"/>
+          </p:nvPr>
+        </p:nvSpPr>
+        <p:spPr>
+          <a:xfrm>
+            <a:off x="457200" y="1600200"/>
+            <a:ext cx="8229600" cy="5257800"/>
+          </a:xfrm>
+        </p:spPr>
+        <p:txBody>
+          <a:bodyPr>
+            <a:normAutofit/>
+          </a:bodyPr>
+          <a:lstStyle/>
+          <a:p>
+            <a:r>
+              <a:rPr lang="en-US" sz="2800" dirty="0" smtClean="0">
+                <a:latin typeface="Helvetica"/>
+                <a:cs typeface="Helvetica"/>
+              </a:rPr>
+              <a:t>As hypothesized, the network trained on the Japanese phonemes cannot accurately distinguish between</a:t>
+            </a:r>
+            <a:r>
+              <a:rPr lang="en-US" sz="2800" dirty="0" smtClean="0">
+                <a:latin typeface="Helvetica"/>
+                <a:cs typeface="Helvetica"/>
+              </a:rPr>
+              <a:t> novel </a:t>
+            </a:r>
+            <a:r>
+              <a:rPr lang="en-US" sz="2800" dirty="0" smtClean="0">
+                <a:latin typeface="Helvetica"/>
+                <a:cs typeface="Helvetica"/>
+              </a:rPr>
+              <a:t>speech sounds.</a:t>
+            </a:r>
+            <a:r>
+              <a:rPr lang="en-US" sz="2800" dirty="0" smtClean="0">
+                <a:latin typeface="Helvetica"/>
+                <a:cs typeface="Helvetica"/>
+              </a:rPr>
+              <a:t> </a:t>
+            </a:r>
+          </a:p>
+          <a:p>
+            <a:endParaRPr lang="en-US" sz="2800" dirty="0" smtClean="0">
+              <a:latin typeface="Helvetica"/>
+              <a:cs typeface="Helvetica"/>
+            </a:endParaRPr>
+          </a:p>
+          <a:p>
+            <a:r>
+              <a:rPr lang="en-US" sz="2800" dirty="0" smtClean="0">
+                <a:latin typeface="Helvetica"/>
+                <a:cs typeface="Helvetica"/>
+              </a:rPr>
+              <a:t>It takes a highly specific weight pattern to detect / classify specific phonemes.</a:t>
+            </a:r>
+          </a:p>
+          <a:p>
+            <a:pPr>
+              <a:buNone/>
+            </a:pPr>
+            <a:r>
+              <a:rPr lang="en-US" sz="2800" dirty="0" smtClean="0">
+                <a:latin typeface="Helvetica"/>
+                <a:cs typeface="Helvetica"/>
+              </a:rPr>
+              <a:t> </a:t>
+            </a:r>
+          </a:p>
+          <a:p>
+            <a:r>
+              <a:rPr lang="en-US" sz="2800" dirty="0" smtClean="0">
+                <a:latin typeface="Helvetica"/>
+                <a:cs typeface="Helvetica"/>
+              </a:rPr>
+              <a:t>Without training, the network will not have a pattern of weights that will allow for new sounds to have their own representations. </a:t>
+            </a:r>
+            <a:endParaRPr lang="en-US" sz="2800" dirty="0">
+              <a:latin typeface="Helvetica"/>
+              <a:cs typeface="Helvetica"/>
+            </a:endParaRPr>
+          </a:p>
+        </p:txBody>
+      </p:sp>
+    </p:spTree>
+  </p:cSld>
+  <p:clrMapOvr>
+    <a:masterClrMapping/>
+  </p:clrMapOvr>
+</p:sld>
+</file>
+
+<file path=ppt/slides/slide16.xml><?xml version="1.0" encoding="utf-8"?>
+<p:sld xmlns:a="http://schemas.openxmlformats.org/drawingml/2006/main" xmlns:r="http://schemas.openxmlformats.org/officeDocument/2006/relationships" xmlns:mc="http://schemas.openxmlformats.org/markup-compatibility/2006" xmlns:mv="urn:schemas-microsoft-com:mac:vml" xmlns:p="http://schemas.openxmlformats.org/presentationml/2006/main" mc:Ignorable="mv" mc:PreserveAttributes="mv:*">
+  <p:cSld>
+    <p:spTree>
+      <p:nvGrpSpPr>
+        <p:cNvPr id="1" name=""/>
+        <p:cNvGrpSpPr/>
+        <p:nvPr/>
+      </p:nvGrpSpPr>
+      <p:grpSpPr>
+        <a:xfrm>
+          <a:off x="0" y="0"/>
+          <a:ext cx="0" cy="0"/>
+          <a:chOff x="0" y="0"/>
+          <a:chExt cx="0" cy="0"/>
+        </a:xfrm>
+      </p:grpSpPr>
+      <p:sp>
+        <p:nvSpPr>
+          <p:cNvPr id="2" name="Title 1"/>
+          <p:cNvSpPr>
+            <a:spLocks noGrp="1"/>
+          </p:cNvSpPr>
+          <p:nvPr>
+            <p:ph type="title"/>
+          </p:nvPr>
+        </p:nvSpPr>
+        <p:spPr/>
+        <p:txBody>
+          <a:bodyPr/>
+          <a:lstStyle/>
+          <a:p>
+            <a:r>
+              <a:rPr lang="en-US" dirty="0" err="1" smtClean="0">
+                <a:latin typeface="Helvetica"/>
+                <a:cs typeface="Helvetica"/>
+              </a:rPr>
+              <a:t>todo</a:t>
+            </a:r>
+            <a:endParaRPr lang="en-US" dirty="0">
+              <a:latin typeface="Helvetica"/>
+              <a:cs typeface="Helvetica"/>
+            </a:endParaRPr>
+          </a:p>
+        </p:txBody>
+      </p:sp>
+      <p:sp>
+        <p:nvSpPr>
+          <p:cNvPr id="3" name="Content Placeholder 2"/>
+          <p:cNvSpPr>
+            <a:spLocks noGrp="1"/>
+          </p:cNvSpPr>
+          <p:nvPr>
+            <p:ph idx="1"/>
+          </p:nvPr>
+        </p:nvSpPr>
+        <p:spPr/>
+        <p:txBody>
+          <a:bodyPr>
+            <a:normAutofit/>
+          </a:bodyPr>
+          <a:lstStyle/>
+          <a:p>
+            <a:r>
+              <a:rPr lang="en-US" dirty="0" smtClean="0">
+                <a:latin typeface="Helvetica"/>
+                <a:cs typeface="Helvetica"/>
+              </a:rPr>
+              <a:t>Might not be setting the network up for success at the generalization task</a:t>
+            </a:r>
+          </a:p>
+          <a:p>
+            <a:r>
+              <a:rPr lang="en-US" dirty="0" smtClean="0">
+                <a:latin typeface="Helvetica"/>
+                <a:cs typeface="Helvetica"/>
+              </a:rPr>
+              <a:t>Matrix/vector implementation</a:t>
+            </a:r>
+          </a:p>
+          <a:p>
+            <a:r>
+              <a:rPr lang="en-US" dirty="0" smtClean="0">
+                <a:latin typeface="Helvetica"/>
+                <a:cs typeface="Helvetica"/>
+              </a:rPr>
+              <a:t>Floating threshold</a:t>
+            </a:r>
+          </a:p>
+          <a:p>
+            <a:r>
+              <a:rPr lang="en-US" dirty="0" smtClean="0">
+                <a:latin typeface="Helvetica"/>
+                <a:cs typeface="Helvetica"/>
+              </a:rPr>
+              <a:t>Inhibitory competition / Lateral connectivity</a:t>
+            </a:r>
+          </a:p>
+          <a:p>
+            <a:r>
+              <a:rPr lang="en-US" dirty="0" smtClean="0">
+                <a:latin typeface="Helvetica"/>
+                <a:cs typeface="Helvetica"/>
+              </a:rPr>
+              <a:t>Different network structure </a:t>
+            </a:r>
+          </a:p>
+          <a:p>
+            <a:pPr lvl="1"/>
+            <a:r>
+              <a:rPr lang="en-US" dirty="0" smtClean="0">
+                <a:latin typeface="Helvetica"/>
+                <a:cs typeface="Helvetica"/>
+              </a:rPr>
+              <a:t>(i.e. V1</a:t>
+            </a:r>
+            <a:r>
+              <a:rPr lang="en-US" dirty="0" smtClean="0">
+                <a:latin typeface="Helvetica"/>
+                <a:cs typeface="Helvetica"/>
+                <a:sym typeface="Wingdings"/>
+              </a:rPr>
+              <a:t>V4ITOutput) like </a:t>
+            </a:r>
+            <a:r>
+              <a:rPr lang="en-US" dirty="0" err="1" smtClean="0">
+                <a:latin typeface="Helvetica"/>
+                <a:cs typeface="Helvetica"/>
+                <a:sym typeface="Wingdings"/>
+              </a:rPr>
+              <a:t>objrec</a:t>
+            </a:r>
+            <a:r>
+              <a:rPr lang="en-US" dirty="0" smtClean="0">
+                <a:latin typeface="Helvetica"/>
+                <a:cs typeface="Helvetica"/>
+                <a:sym typeface="Wingdings"/>
+              </a:rPr>
+              <a:t> model</a:t>
+            </a:r>
+            <a:endParaRPr lang="en-US" dirty="0" smtClean="0">
+              <a:latin typeface="Helvetica"/>
+              <a:cs typeface="Helvetica"/>
+            </a:endParaRPr>
+          </a:p>
+          <a:p>
+            <a:r>
+              <a:rPr lang="en-US" dirty="0" smtClean="0">
+                <a:latin typeface="Helvetica"/>
+                <a:cs typeface="Helvetica"/>
+              </a:rPr>
+              <a:t>Different phoneme representation?</a:t>
+            </a:r>
+          </a:p>
+          <a:p>
+            <a:endParaRPr lang="en-US" dirty="0">
+              <a:latin typeface="Helvetica"/>
+              <a:cs typeface="Helvetica"/>
+            </a:endParaRPr>
+          </a:p>
+        </p:txBody>
+      </p:sp>
+    </p:spTree>
+  </p:cSld>
+  <p:clrMapOvr>
+    <a:masterClrMapping/>
+  </p:clrMapOvr>
+</p:sld>
+</file>
+
+<file path=ppt/slides/slide17.xml><?xml version="1.0" encoding="utf-8"?>
+<p:sld xmlns:a="http://schemas.openxmlformats.org/drawingml/2006/main" xmlns:r="http://schemas.openxmlformats.org/officeDocument/2006/relationships" xmlns:mc="http://schemas.openxmlformats.org/markup-compatibility/2006" xmlns:mv="urn:schemas-microsoft-com:mac:vml" xmlns:p="http://schemas.openxmlformats.org/presentationml/2006/main" mc:Ignorable="mv" mc:PreserveAttributes="mv:*">
+  <p:cSld>
+    <p:spTree>
+      <p:nvGrpSpPr>
+        <p:cNvPr id="1" name=""/>
+        <p:cNvGrpSpPr/>
+        <p:nvPr/>
+      </p:nvGrpSpPr>
+      <p:grpSpPr>
+        <a:xfrm>
+          <a:off x="0" y="0"/>
+          <a:ext cx="0" cy="0"/>
+          <a:chOff x="0" y="0"/>
+          <a:chExt cx="0" cy="0"/>
+        </a:xfrm>
+      </p:grpSpPr>
+      <p:pic>
+        <p:nvPicPr>
+          <p:cNvPr id="4" name="Content Placeholder 3" descr="Screen Shot 2015-12-02 at 1.30.23 PM.png"/>
+          <p:cNvPicPr>
+            <a:picLocks noGrp="1" noChangeAspect="1"/>
+          </p:cNvPicPr>
+          <p:nvPr>
+            <p:ph idx="1"/>
+          </p:nvPr>
+        </p:nvPicPr>
+        <p:blipFill>
+          <a:blip r:embed="rId2"/>
+          <a:srcRect t="-204" b="-204"/>
+          <a:stretch>
+            <a:fillRect/>
+          </a:stretch>
+        </p:blipFill>
+        <p:spPr>
+          <a:xfrm>
+            <a:off x="692926" y="111945"/>
+            <a:ext cx="3754791" cy="2064991"/>
+          </a:xfrm>
+        </p:spPr>
+      </p:pic>
+      <p:pic>
+        <p:nvPicPr>
+          <p:cNvPr id="5" name="Picture 4" descr="Screen Shot 2015-12-02 at 1.30.38 PM.png"/>
+          <p:cNvPicPr>
+            <a:picLocks noChangeAspect="1"/>
+          </p:cNvPicPr>
+          <p:nvPr/>
+        </p:nvPicPr>
+        <p:blipFill>
+          <a:blip r:embed="rId3"/>
+          <a:stretch>
+            <a:fillRect/>
+          </a:stretch>
+        </p:blipFill>
+        <p:spPr>
+          <a:xfrm>
+            <a:off x="4759767" y="111945"/>
+            <a:ext cx="3768805" cy="2064991"/>
+          </a:xfrm>
+          <a:prstGeom prst="rect">
+            <a:avLst/>
+          </a:prstGeom>
+        </p:spPr>
+      </p:pic>
+      <p:pic>
+        <p:nvPicPr>
+          <p:cNvPr id="6" name="Picture 5" descr="Screen Shot 2015-12-02 at 1.30.49 PM.png"/>
+          <p:cNvPicPr>
+            <a:picLocks noChangeAspect="1"/>
+          </p:cNvPicPr>
+          <p:nvPr/>
+        </p:nvPicPr>
+        <p:blipFill>
+          <a:blip r:embed="rId4"/>
+          <a:stretch>
+            <a:fillRect/>
+          </a:stretch>
+        </p:blipFill>
+        <p:spPr>
+          <a:xfrm>
+            <a:off x="4759767" y="2447658"/>
+            <a:ext cx="3768805" cy="2074152"/>
+          </a:xfrm>
+          <a:prstGeom prst="rect">
+            <a:avLst/>
+          </a:prstGeom>
+        </p:spPr>
+      </p:pic>
+      <p:pic>
+        <p:nvPicPr>
+          <p:cNvPr id="7" name="Picture 6" descr="Screen Shot 2015-12-02 at 1.31.04 PM.png"/>
+          <p:cNvPicPr>
+            <a:picLocks noChangeAspect="1"/>
+          </p:cNvPicPr>
+          <p:nvPr/>
+        </p:nvPicPr>
+        <p:blipFill>
+          <a:blip r:embed="rId5"/>
+          <a:stretch>
+            <a:fillRect/>
+          </a:stretch>
+        </p:blipFill>
+        <p:spPr>
+          <a:xfrm>
+            <a:off x="692926" y="2447658"/>
+            <a:ext cx="3766421" cy="2067608"/>
+          </a:xfrm>
+          <a:prstGeom prst="rect">
+            <a:avLst/>
+          </a:prstGeom>
+        </p:spPr>
+      </p:pic>
+      <p:pic>
+        <p:nvPicPr>
+          <p:cNvPr id="8" name="Picture 7" descr="Screen Shot 2015-12-02 at 1.31.12 PM.png"/>
+          <p:cNvPicPr>
+            <a:picLocks noChangeAspect="1"/>
+          </p:cNvPicPr>
+          <p:nvPr/>
+        </p:nvPicPr>
+        <p:blipFill>
+          <a:blip r:embed="rId6"/>
+          <a:stretch>
+            <a:fillRect/>
+          </a:stretch>
+        </p:blipFill>
+        <p:spPr>
+          <a:xfrm>
+            <a:off x="2574944" y="4686728"/>
+            <a:ext cx="3768805" cy="2067608"/>
+          </a:xfrm>
+          <a:prstGeom prst="rect">
+            <a:avLst/>
+          </a:prstGeom>
+        </p:spPr>
+      </p:pic>
+    </p:spTree>
+  </p:cSld>
+  <p:clrMapOvr>
+    <a:masterClrMapping/>
+  </p:clrMapOvr>
+</p:sld>
+</file>
+
+<file path=ppt/slides/slide18.xml><?xml version="1.0" encoding="utf-8"?>
+<p:sld xmlns:a="http://schemas.openxmlformats.org/drawingml/2006/main" xmlns:r="http://schemas.openxmlformats.org/officeDocument/2006/relationships" xmlns:mc="http://schemas.openxmlformats.org/markup-compatibility/2006" xmlns:mv="urn:schemas-microsoft-com:mac:vml" xmlns:p="http://schemas.openxmlformats.org/presentationml/2006/main" mc:Ignorable="mv" mc:PreserveAttributes="mv:*">
+  <p:cSld>
+    <p:spTree>
+      <p:nvGrpSpPr>
+        <p:cNvPr id="1" name=""/>
+        <p:cNvGrpSpPr/>
+        <p:nvPr/>
+      </p:nvGrpSpPr>
+      <p:grpSpPr>
+        <a:xfrm>
+          <a:off x="0" y="0"/>
+          <a:ext cx="0" cy="0"/>
+          <a:chOff x="0" y="0"/>
+          <a:chExt cx="0" cy="0"/>
+        </a:xfrm>
+      </p:grpSpPr>
+      <p:sp>
+        <p:nvSpPr>
+          <p:cNvPr id="2" name="Title 1"/>
+          <p:cNvSpPr>
+            <a:spLocks noGrp="1"/>
+          </p:cNvSpPr>
+          <p:nvPr>
+            <p:ph type="title"/>
+          </p:nvPr>
+        </p:nvSpPr>
+        <p:spPr>
+          <a:xfrm>
+            <a:off x="457200" y="2462012"/>
+            <a:ext cx="8229600" cy="1143000"/>
+          </a:xfrm>
+        </p:spPr>
+        <p:txBody>
+          <a:bodyPr/>
+          <a:lstStyle/>
+          <a:p>
+            <a:r>
+              <a:rPr lang="en-US" dirty="0" smtClean="0">
+                <a:latin typeface="Helvetica"/>
+                <a:cs typeface="Helvetica"/>
+              </a:rPr>
+              <a:t>https://github.com/2PacIsAlive</a:t>
+            </a:r>
+            <a:endParaRPr lang="en-US" dirty="0">
+              <a:latin typeface="Helvetica"/>
+              <a:cs typeface="Helvetica"/>
+            </a:endParaRPr>
+          </a:p>
+        </p:txBody>
+      </p:sp>
+    </p:spTree>
+  </p:cSld>
+  <p:clrMapOvr>
+    <a:masterClrMapping/>
+  </p:clrMapOvr>
+</p:sld>
+</file>
+
+<file path=ppt/slides/slide19.xml><?xml version="1.0" encoding="utf-8"?>
+<p:sld xmlns:a="http://schemas.openxmlformats.org/drawingml/2006/main" xmlns:r="http://schemas.openxmlformats.org/officeDocument/2006/relationships" xmlns:mc="http://schemas.openxmlformats.org/markup-compatibility/2006" xmlns:mv="urn:schemas-microsoft-com:mac:vml" xmlns:p="http://schemas.openxmlformats.org/presentationml/2006/main" mc:Ignorable="mv" mc:PreserveAttributes="mv:*">
+  <p:cSld>
+    <p:spTree>
+      <p:nvGrpSpPr>
+        <p:cNvPr id="1" name=""/>
+        <p:cNvGrpSpPr/>
+        <p:nvPr/>
+      </p:nvGrpSpPr>
+      <p:grpSpPr>
+        <a:xfrm>
+          <a:off x="0" y="0"/>
+          <a:ext cx="0" cy="0"/>
+          <a:chOff x="0" y="0"/>
+          <a:chExt cx="0" cy="0"/>
+        </a:xfrm>
+      </p:grpSpPr>
+      <p:sp>
+        <p:nvSpPr>
+          <p:cNvPr id="2" name="Title 1"/>
+          <p:cNvSpPr>
+            <a:spLocks noGrp="1"/>
+          </p:cNvSpPr>
+          <p:nvPr>
+            <p:ph type="title"/>
+          </p:nvPr>
+        </p:nvSpPr>
+        <p:spPr>
+          <a:xfrm>
+            <a:off x="457200" y="106184"/>
+            <a:ext cx="8229600" cy="1143000"/>
+          </a:xfrm>
+        </p:spPr>
+        <p:txBody>
+          <a:bodyPr/>
+          <a:lstStyle/>
+          <a:p>
+            <a:r>
+              <a:rPr lang="en-US" dirty="0" smtClean="0">
+                <a:latin typeface="Helvetica"/>
+                <a:cs typeface="Helvetica"/>
+              </a:rPr>
+              <a:t>References</a:t>
+            </a:r>
+            <a:endParaRPr lang="en-US" dirty="0">
+              <a:latin typeface="Helvetica"/>
+              <a:cs typeface="Helvetica"/>
+            </a:endParaRPr>
+          </a:p>
+        </p:txBody>
+      </p:sp>
+      <p:sp>
+        <p:nvSpPr>
+          <p:cNvPr id="3" name="Content Placeholder 2"/>
+          <p:cNvSpPr>
+            <a:spLocks noGrp="1"/>
+          </p:cNvSpPr>
+          <p:nvPr>
+            <p:ph idx="1"/>
+          </p:nvPr>
+        </p:nvSpPr>
+        <p:spPr>
+          <a:xfrm>
+            <a:off x="457200" y="1231006"/>
+            <a:ext cx="8229600" cy="5468259"/>
+          </a:xfrm>
+        </p:spPr>
+        <p:txBody>
+          <a:bodyPr>
+            <a:noAutofit/>
+          </a:bodyPr>
+          <a:lstStyle/>
+          <a:p>
+            <a:r>
+              <a:rPr lang="en-US" sz="1600" dirty="0" err="1" smtClean="0">
+                <a:latin typeface="Helvetica"/>
+                <a:cs typeface="Helvetica"/>
+              </a:rPr>
+              <a:t>Escudero</a:t>
+            </a:r>
+            <a:r>
+              <a:rPr lang="en-US" sz="1600" dirty="0" smtClean="0">
+                <a:latin typeface="Helvetica"/>
+                <a:cs typeface="Helvetica"/>
+              </a:rPr>
+              <a:t>, P. (2005). Linguistic perception and second language acquisition: Explaining the attainment of optimal phonological categorization. Netherlands Graduate School of Linguistics.</a:t>
+            </a:r>
+          </a:p>
+          <a:p>
+            <a:r>
+              <a:rPr lang="en-US" sz="1600" dirty="0" smtClean="0">
+                <a:latin typeface="Helvetica"/>
+                <a:cs typeface="Helvetica"/>
+              </a:rPr>
+              <a:t>Francis, A., &amp; </a:t>
+            </a:r>
+            <a:r>
+              <a:rPr lang="en-US" sz="1600" dirty="0" err="1" smtClean="0">
+                <a:latin typeface="Helvetica"/>
+                <a:cs typeface="Helvetica"/>
+              </a:rPr>
+              <a:t>Nusbaum</a:t>
+            </a:r>
+            <a:r>
+              <a:rPr lang="en-US" sz="1600" dirty="0" smtClean="0">
+                <a:latin typeface="Helvetica"/>
+                <a:cs typeface="Helvetica"/>
+              </a:rPr>
+              <a:t>, H. (2002). Selective attention and the acquisition of new phonetic categories. Journal of Experimental Psychology: Human Perception and Performance, 349-366. </a:t>
+            </a:r>
+          </a:p>
+          <a:p>
+            <a:r>
+              <a:rPr lang="en-US" sz="1600" dirty="0" err="1" smtClean="0">
+                <a:latin typeface="Helvetica"/>
+                <a:cs typeface="Helvetica"/>
+              </a:rPr>
+              <a:t>Hebb</a:t>
+            </a:r>
+            <a:r>
+              <a:rPr lang="en-US" sz="1600" dirty="0" smtClean="0">
+                <a:latin typeface="Helvetica"/>
+                <a:cs typeface="Helvetica"/>
+              </a:rPr>
+              <a:t>, D. (1949). The organization of behavior; a neuropsychological theory. New York: Wiley.</a:t>
+            </a:r>
+          </a:p>
+          <a:p>
+            <a:r>
+              <a:rPr lang="en-US" sz="1600" dirty="0" smtClean="0">
+                <a:latin typeface="Helvetica"/>
+                <a:cs typeface="Helvetica"/>
+              </a:rPr>
+              <a:t>Iverson, P. (2002). A Perceptual Interference Account Of Acquisition Difficulties For Non-native Phonemes. Cognition, B47-B57. </a:t>
+            </a:r>
+          </a:p>
+          <a:p>
+            <a:r>
+              <a:rPr lang="en-US" sz="1600" dirty="0" err="1" smtClean="0">
+                <a:latin typeface="Helvetica"/>
+                <a:cs typeface="Helvetica"/>
+              </a:rPr>
+              <a:t>Kavanagh</a:t>
+            </a:r>
+            <a:r>
+              <a:rPr lang="en-US" sz="1600" dirty="0" smtClean="0">
+                <a:latin typeface="Helvetica"/>
+                <a:cs typeface="Helvetica"/>
+              </a:rPr>
+              <a:t>, B. (2007). The phonemes of Japanese and English: A contrastive analysis study. 青森県立保健大学雑誌, 8(2), 283-292.</a:t>
+            </a:r>
+          </a:p>
+          <a:p>
+            <a:r>
+              <a:rPr lang="en-US" sz="1600" dirty="0" err="1" smtClean="0">
+                <a:latin typeface="Helvetica"/>
+                <a:cs typeface="Helvetica"/>
+              </a:rPr>
+              <a:t>Mcclelland</a:t>
+            </a:r>
+            <a:r>
+              <a:rPr lang="en-US" sz="1600" dirty="0" smtClean="0">
+                <a:latin typeface="Helvetica"/>
+                <a:cs typeface="Helvetica"/>
+              </a:rPr>
+              <a:t>, J., </a:t>
+            </a:r>
+            <a:r>
+              <a:rPr lang="en-US" sz="1600" dirty="0" err="1" smtClean="0">
+                <a:latin typeface="Helvetica"/>
+                <a:cs typeface="Helvetica"/>
+              </a:rPr>
+              <a:t>Fiez</a:t>
+            </a:r>
+            <a:r>
+              <a:rPr lang="en-US" sz="1600" dirty="0" smtClean="0">
+                <a:latin typeface="Helvetica"/>
+                <a:cs typeface="Helvetica"/>
+              </a:rPr>
+              <a:t>, J., &amp; </a:t>
+            </a:r>
+            <a:r>
+              <a:rPr lang="en-US" sz="1600" dirty="0" err="1" smtClean="0">
+                <a:latin typeface="Helvetica"/>
+                <a:cs typeface="Helvetica"/>
+              </a:rPr>
+              <a:t>Mccandliss</a:t>
+            </a:r>
+            <a:r>
+              <a:rPr lang="en-US" sz="1600" dirty="0" smtClean="0">
+                <a:latin typeface="Helvetica"/>
+                <a:cs typeface="Helvetica"/>
+              </a:rPr>
+              <a:t>, B. (2002). Teaching the /</a:t>
+            </a:r>
+            <a:r>
+              <a:rPr lang="en-US" sz="1600" dirty="0" err="1" smtClean="0">
+                <a:latin typeface="Helvetica"/>
+                <a:cs typeface="Helvetica"/>
+              </a:rPr>
+              <a:t>r</a:t>
+            </a:r>
+            <a:r>
+              <a:rPr lang="en-US" sz="1600" dirty="0" smtClean="0">
+                <a:latin typeface="Helvetica"/>
+                <a:cs typeface="Helvetica"/>
+              </a:rPr>
+              <a:t>/–/</a:t>
+            </a:r>
+            <a:r>
+              <a:rPr lang="en-US" sz="1600" dirty="0" err="1" smtClean="0">
+                <a:latin typeface="Helvetica"/>
+                <a:cs typeface="Helvetica"/>
+              </a:rPr>
+              <a:t>l</a:t>
+            </a:r>
+            <a:r>
+              <a:rPr lang="en-US" sz="1600" dirty="0" smtClean="0">
+                <a:latin typeface="Helvetica"/>
+                <a:cs typeface="Helvetica"/>
+              </a:rPr>
+              <a:t>/ discrimination to Japanese adults: Behavioral and neural aspects. Physiology &amp; Behavior, 657-662. </a:t>
+            </a:r>
+          </a:p>
+          <a:p>
+            <a:r>
+              <a:rPr lang="en-US" sz="1600" dirty="0" smtClean="0">
+                <a:latin typeface="Helvetica"/>
+                <a:cs typeface="Helvetica"/>
+              </a:rPr>
+              <a:t>O'Reilly, R. C., </a:t>
+            </a:r>
+            <a:r>
+              <a:rPr lang="en-US" sz="1600" dirty="0" err="1" smtClean="0">
+                <a:latin typeface="Helvetica"/>
+                <a:cs typeface="Helvetica"/>
+              </a:rPr>
+              <a:t>Munakata</a:t>
+            </a:r>
+            <a:r>
+              <a:rPr lang="en-US" sz="1600" dirty="0" smtClean="0">
+                <a:latin typeface="Helvetica"/>
+                <a:cs typeface="Helvetica"/>
+              </a:rPr>
+              <a:t>, Y., Frank, M. J., Hazy, T. E., and Contributors (2014). Computational Cognitive Neuroscience. Wiki Book, 2nd Edition. URL: http://</a:t>
+            </a:r>
+            <a:r>
+              <a:rPr lang="en-US" sz="1600" dirty="0" err="1" smtClean="0">
+                <a:latin typeface="Helvetica"/>
+                <a:cs typeface="Helvetica"/>
+              </a:rPr>
+              <a:t>ccnbook.colorado.edu</a:t>
+            </a:r>
+            <a:endParaRPr lang="en-US" sz="1600" dirty="0" smtClean="0">
+              <a:latin typeface="Helvetica"/>
+              <a:cs typeface="Helvetica"/>
+            </a:endParaRPr>
+          </a:p>
+          <a:p>
+            <a:r>
+              <a:rPr lang="en-US" sz="1600" dirty="0" smtClean="0">
+                <a:latin typeface="Helvetica"/>
+                <a:cs typeface="Helvetica"/>
+              </a:rPr>
+              <a:t>Sharma, A., &amp; Dorman, M. (2000). Neurophysiologic Correlates Of Cross-language Phonetic Perception. The Journal of the Acoustical Society of America, 2697-2697. </a:t>
+            </a:r>
+          </a:p>
+          <a:p>
+            <a:endParaRPr lang="en-US" sz="1600" dirty="0" smtClean="0">
               <a:latin typeface="Helvetica"/>
               <a:cs typeface="Helvetica"/>
             </a:endParaRPr>
@@ -3618,8 +5819,8 @@
         </p:nvSpPr>
         <p:spPr>
           <a:xfrm>
-            <a:off x="630989" y="1417638"/>
-            <a:ext cx="7857958" cy="990015"/>
+            <a:off x="630989" y="1417637"/>
+            <a:ext cx="7857958" cy="4683333"/>
           </a:xfrm>
           <a:prstGeom prst="rect">
             <a:avLst/>
@@ -3644,12 +5845,67 @@
                 <a:latin typeface="Helvetica"/>
                 <a:cs typeface="Helvetica"/>
               </a:rPr>
-              <a:t> The synaptic connections that allow us to differentiate between the sounds of our own languages get strengthened, but the  </a:t>
-            </a:r>
-            <a:endParaRPr lang="en-US" sz="2000" dirty="0">
+              <a:t> The synaptic connections that allow us to differentiate between the sounds of our own languages get strengthened, but no such process occurs for the sounds of languages that we are not exposed to.</a:t>
+            </a:r>
+          </a:p>
+          <a:p>
+            <a:pPr>
+              <a:lnSpc>
+                <a:spcPct val="150000"/>
+              </a:lnSpc>
+            </a:pPr>
+            <a:endParaRPr lang="en-US" sz="2000" dirty="0" smtClean="0">
               <a:latin typeface="Helvetica"/>
               <a:cs typeface="Helvetica"/>
             </a:endParaRPr>
+          </a:p>
+          <a:p>
+            <a:pPr>
+              <a:lnSpc>
+                <a:spcPct val="150000"/>
+              </a:lnSpc>
+              <a:buFont typeface="Arial"/>
+              <a:buChar char="•"/>
+            </a:pPr>
+            <a:r>
+              <a:rPr lang="en-US" sz="2000" dirty="0" smtClean="0">
+                <a:latin typeface="Helvetica"/>
+                <a:cs typeface="Helvetica"/>
+              </a:rPr>
+              <a:t> Coarse coding and distributed representations</a:t>
+            </a:r>
+          </a:p>
+          <a:p>
+            <a:pPr lvl="1">
+              <a:lnSpc>
+                <a:spcPct val="150000"/>
+              </a:lnSpc>
+              <a:buFont typeface="Arial"/>
+              <a:buChar char="•"/>
+            </a:pPr>
+            <a:r>
+              <a:rPr lang="en-US" sz="2000" dirty="0" smtClean="0">
+                <a:latin typeface="Helvetica"/>
+                <a:cs typeface="Helvetica"/>
+              </a:rPr>
+              <a:t> The same network of neurons is used to detect all kinds of speech sounds. </a:t>
+            </a:r>
+          </a:p>
+          <a:p>
+            <a:pPr lvl="1">
+              <a:lnSpc>
+                <a:spcPct val="150000"/>
+              </a:lnSpc>
+              <a:buFont typeface="Arial"/>
+              <a:buChar char="•"/>
+            </a:pPr>
+            <a:r>
+              <a:rPr lang="en-US" sz="2000" dirty="0" smtClean="0">
+                <a:latin typeface="Helvetica"/>
+                <a:cs typeface="Helvetica"/>
+              </a:rPr>
+              <a:t> The graded activity of these neurons allow for (relatively) few detectors to represent many different things.</a:t>
+            </a:r>
           </a:p>
         </p:txBody>
       </p:sp>
@@ -3697,7 +5953,9 @@
         </p:nvSpPr>
         <p:spPr/>
         <p:txBody>
-          <a:bodyPr/>
+          <a:bodyPr>
+            <a:normAutofit/>
+          </a:bodyPr>
           <a:lstStyle/>
           <a:p>
             <a:r>
@@ -3705,7 +5963,7 @@
                 <a:latin typeface="Helvetica"/>
                 <a:cs typeface="Helvetica"/>
               </a:rPr>
-              <a:t>Network</a:t>
+              <a:t>Why is this so problematic?</a:t>
             </a:r>
             <a:endParaRPr lang="en-US" dirty="0">
               <a:latin typeface="Helvetica"/>
@@ -3716,20 +5974,71 @@
       </p:sp>
       <p:sp>
         <p:nvSpPr>
-          <p:cNvPr id="3" name="Content Placeholder 2"/>
-          <p:cNvSpPr>
-            <a:spLocks noGrp="1"/>
-          </p:cNvSpPr>
-          <p:nvPr>
-            <p:ph idx="1"/>
-          </p:nvPr>
-        </p:nvSpPr>
-        <p:spPr/>
-        <p:txBody>
-          <a:bodyPr/>
-          <a:lstStyle/>
-          <a:p>
-            <a:endParaRPr lang="en-US" dirty="0">
+          <p:cNvPr id="10" name="TextBox 9"/>
+          <p:cNvSpPr txBox="1"/>
+          <p:nvPr/>
+        </p:nvSpPr>
+        <p:spPr>
+          <a:xfrm>
+            <a:off x="630989" y="2215810"/>
+            <a:ext cx="7857958" cy="2836674"/>
+          </a:xfrm>
+          <a:prstGeom prst="rect">
+            <a:avLst/>
+          </a:prstGeom>
+          <a:noFill/>
+        </p:spPr>
+        <p:txBody>
+          <a:bodyPr wrap="square" rtlCol="0">
+            <a:spAutoFit/>
+          </a:bodyPr>
+          <a:lstStyle/>
+          <a:p>
+            <a:pPr>
+              <a:lnSpc>
+                <a:spcPct val="150000"/>
+              </a:lnSpc>
+              <a:buFont typeface="Arial"/>
+              <a:buChar char="•"/>
+            </a:pPr>
+            <a:r>
+              <a:rPr lang="en-US" sz="2000" dirty="0" smtClean="0">
+                <a:latin typeface="Helvetica"/>
+                <a:cs typeface="Helvetica"/>
+              </a:rPr>
+              <a:t> We specialize the weights associated with our “phoneme detectors” so as to make recognition of sounds in familiar languages accurate and efficient.</a:t>
+            </a:r>
+          </a:p>
+          <a:p>
+            <a:pPr>
+              <a:lnSpc>
+                <a:spcPct val="150000"/>
+              </a:lnSpc>
+            </a:pPr>
+            <a:r>
+              <a:rPr lang="en-US" sz="2000" dirty="0" smtClean="0">
+                <a:latin typeface="Helvetica"/>
+                <a:cs typeface="Helvetica"/>
+              </a:rPr>
+              <a:t> </a:t>
+            </a:r>
+          </a:p>
+          <a:p>
+            <a:pPr>
+              <a:lnSpc>
+                <a:spcPct val="150000"/>
+              </a:lnSpc>
+              <a:buFont typeface="Arial"/>
+              <a:buChar char="•"/>
+            </a:pPr>
+            <a:r>
+              <a:rPr lang="en-US" sz="2000" dirty="0" smtClean="0">
+                <a:latin typeface="Helvetica"/>
+                <a:cs typeface="Helvetica"/>
+              </a:rPr>
+              <a:t> Without practice (error driven learning), the ability to differentiate between sounds diminishes.  </a:t>
+            </a:r>
+            <a:endParaRPr lang="en-US" sz="2000" dirty="0">
               <a:latin typeface="Helvetica"/>
               <a:cs typeface="Helvetica"/>
             </a:endParaRPr>
@@ -3741,6 +6050,760 @@
   <p:clrMapOvr>
     <a:masterClrMapping/>
   </p:clrMapOvr>
+  <p:timing>
+    <p:tnLst>
+      <p:par>
+        <p:cTn id="1" dur="indefinite" restart="never" nodeType="tmRoot"/>
+      </p:par>
+    </p:tnLst>
+  </p:timing>
+</p:sld>
+</file>
+
+<file path=ppt/slides/slide5.xml><?xml version="1.0" encoding="utf-8"?>
+<p:sld xmlns:a="http://schemas.openxmlformats.org/drawingml/2006/main" xmlns:r="http://schemas.openxmlformats.org/officeDocument/2006/relationships" xmlns:mc="http://schemas.openxmlformats.org/markup-compatibility/2006" xmlns:mv="urn:schemas-microsoft-com:mac:vml" xmlns:p="http://schemas.openxmlformats.org/presentationml/2006/main" mc:Ignorable="mv" mc:PreserveAttributes="mv:*">
+  <p:cSld>
+    <p:spTree>
+      <p:nvGrpSpPr>
+        <p:cNvPr id="1" name=""/>
+        <p:cNvGrpSpPr/>
+        <p:nvPr/>
+      </p:nvGrpSpPr>
+      <p:grpSpPr>
+        <a:xfrm>
+          <a:off x="0" y="0"/>
+          <a:ext cx="0" cy="0"/>
+          <a:chOff x="0" y="0"/>
+          <a:chExt cx="0" cy="0"/>
+        </a:xfrm>
+      </p:grpSpPr>
+      <p:sp>
+        <p:nvSpPr>
+          <p:cNvPr id="2" name="Title 1"/>
+          <p:cNvSpPr>
+            <a:spLocks noGrp="1"/>
+          </p:cNvSpPr>
+          <p:nvPr>
+            <p:ph type="title"/>
+          </p:nvPr>
+        </p:nvSpPr>
+        <p:spPr/>
+        <p:txBody>
+          <a:bodyPr/>
+          <a:lstStyle/>
+          <a:p>
+            <a:r>
+              <a:rPr lang="en-US" dirty="0" smtClean="0">
+                <a:latin typeface="Helvetica"/>
+                <a:cs typeface="Helvetica"/>
+              </a:rPr>
+              <a:t>Network Structure</a:t>
+            </a:r>
+            <a:endParaRPr lang="en-US" dirty="0">
+              <a:latin typeface="Helvetica"/>
+              <a:cs typeface="Helvetica"/>
+            </a:endParaRPr>
+          </a:p>
+        </p:txBody>
+      </p:sp>
+      <p:pic>
+        <p:nvPicPr>
+          <p:cNvPr id="4" name="Content Placeholder 3" descr="Untitled Diagram (8).png"/>
+          <p:cNvPicPr>
+            <a:picLocks noGrp="1" noChangeAspect="1"/>
+          </p:cNvPicPr>
+          <p:nvPr>
+            <p:ph idx="1"/>
+          </p:nvPr>
+        </p:nvPicPr>
+        <p:blipFill>
+          <a:blip r:embed="rId2"/>
+          <a:srcRect l="-111483" r="-111483"/>
+          <a:stretch>
+            <a:fillRect/>
+          </a:stretch>
+        </p:blipFill>
+        <p:spPr>
+          <a:xfrm>
+            <a:off x="2763853" y="1600200"/>
+            <a:ext cx="8229600" cy="4525963"/>
+          </a:xfrm>
+        </p:spPr>
+      </p:pic>
+      <p:pic>
+        <p:nvPicPr>
+          <p:cNvPr id="5" name="Picture 4" descr="figure_1.png"/>
+          <p:cNvPicPr>
+            <a:picLocks noChangeAspect="1"/>
+          </p:cNvPicPr>
+          <p:nvPr/>
+        </p:nvPicPr>
+        <p:blipFill>
+          <a:blip r:embed="rId3"/>
+          <a:srcRect l="3928"/>
+          <a:stretch>
+            <a:fillRect/>
+          </a:stretch>
+        </p:blipFill>
+        <p:spPr>
+          <a:xfrm>
+            <a:off x="210497" y="1855369"/>
+            <a:ext cx="5106711" cy="3986631"/>
+          </a:xfrm>
+          <a:prstGeom prst="rect">
+            <a:avLst/>
+          </a:prstGeom>
+        </p:spPr>
+      </p:pic>
+    </p:spTree>
+  </p:cSld>
+  <p:clrMapOvr>
+    <a:masterClrMapping/>
+  </p:clrMapOvr>
+</p:sld>
+</file>
+
+<file path=ppt/slides/slide6.xml><?xml version="1.0" encoding="utf-8"?>
+<p:sld xmlns:a="http://schemas.openxmlformats.org/drawingml/2006/main" xmlns:r="http://schemas.openxmlformats.org/officeDocument/2006/relationships" xmlns:mc="http://schemas.openxmlformats.org/markup-compatibility/2006" xmlns:mv="urn:schemas-microsoft-com:mac:vml" xmlns:p="http://schemas.openxmlformats.org/presentationml/2006/main" mc:Ignorable="mv" mc:PreserveAttributes="mv:*">
+  <p:cSld>
+    <p:spTree>
+      <p:nvGrpSpPr>
+        <p:cNvPr id="1" name=""/>
+        <p:cNvGrpSpPr/>
+        <p:nvPr/>
+      </p:nvGrpSpPr>
+      <p:grpSpPr>
+        <a:xfrm>
+          <a:off x="0" y="0"/>
+          <a:ext cx="0" cy="0"/>
+          <a:chOff x="0" y="0"/>
+          <a:chExt cx="0" cy="0"/>
+        </a:xfrm>
+      </p:grpSpPr>
+      <p:sp>
+        <p:nvSpPr>
+          <p:cNvPr id="2" name="Title 1"/>
+          <p:cNvSpPr>
+            <a:spLocks noGrp="1"/>
+          </p:cNvSpPr>
+          <p:nvPr>
+            <p:ph type="title"/>
+          </p:nvPr>
+        </p:nvSpPr>
+        <p:spPr/>
+        <p:txBody>
+          <a:bodyPr/>
+          <a:lstStyle/>
+          <a:p>
+            <a:r>
+              <a:rPr lang="en-US" dirty="0" smtClean="0">
+                <a:latin typeface="Helvetica"/>
+                <a:cs typeface="Helvetica"/>
+              </a:rPr>
+              <a:t>Learning Algorithms</a:t>
+            </a:r>
+            <a:endParaRPr lang="en-US" dirty="0">
+              <a:latin typeface="Helvetica"/>
+              <a:cs typeface="Helvetica"/>
+            </a:endParaRPr>
+          </a:p>
+        </p:txBody>
+      </p:sp>
+      <p:sp>
+        <p:nvSpPr>
+          <p:cNvPr id="3" name="Content Placeholder 2"/>
+          <p:cNvSpPr>
+            <a:spLocks noGrp="1"/>
+          </p:cNvSpPr>
+          <p:nvPr>
+            <p:ph idx="1"/>
+          </p:nvPr>
+        </p:nvSpPr>
+        <p:spPr/>
+        <p:txBody>
+          <a:bodyPr/>
+          <a:lstStyle/>
+          <a:p>
+            <a:r>
+              <a:rPr lang="en-US" dirty="0" smtClean="0">
+                <a:latin typeface="Helvetica"/>
+                <a:cs typeface="Helvetica"/>
+              </a:rPr>
+              <a:t>Input unit activations:</a:t>
+            </a:r>
+          </a:p>
+          <a:p>
+            <a:pPr lvl="1"/>
+            <a:r>
+              <a:rPr lang="en-US" dirty="0" smtClean="0">
+                <a:latin typeface="Helvetica"/>
+                <a:cs typeface="Helvetica"/>
+              </a:rPr>
+              <a:t>Pixel color value converted to float between 0 and 1</a:t>
+            </a:r>
+            <a:endParaRPr lang="en-US" dirty="0" smtClean="0">
+              <a:latin typeface="Helvetica"/>
+              <a:cs typeface="Helvetica"/>
+            </a:endParaRPr>
+          </a:p>
+          <a:p>
+            <a:r>
+              <a:rPr lang="en-US" dirty="0" smtClean="0">
+                <a:latin typeface="Helvetica"/>
+                <a:cs typeface="Helvetica"/>
+              </a:rPr>
+              <a:t>Sigmoid activation function:</a:t>
+            </a:r>
+            <a:endParaRPr lang="en-US" dirty="0" smtClean="0">
+              <a:latin typeface="Helvetica"/>
+              <a:cs typeface="Helvetica"/>
+            </a:endParaRPr>
+          </a:p>
+          <a:p>
+            <a:pPr>
+              <a:buNone/>
+            </a:pPr>
+            <a:endParaRPr lang="en-US" dirty="0" smtClean="0">
+              <a:latin typeface="Helvetica"/>
+              <a:cs typeface="Helvetica"/>
+            </a:endParaRPr>
+          </a:p>
+          <a:p>
+            <a:pPr>
+              <a:buNone/>
+            </a:pPr>
+            <a:endParaRPr lang="en-US" dirty="0" smtClean="0">
+              <a:latin typeface="Helvetica"/>
+              <a:cs typeface="Helvetica"/>
+            </a:endParaRPr>
+          </a:p>
+          <a:p>
+            <a:pPr>
+              <a:buNone/>
+            </a:pPr>
+            <a:endParaRPr lang="en-US" dirty="0" smtClean="0">
+              <a:latin typeface="Helvetica"/>
+              <a:cs typeface="Helvetica"/>
+            </a:endParaRPr>
+          </a:p>
+        </p:txBody>
+      </p:sp>
+      <p:pic>
+        <p:nvPicPr>
+          <p:cNvPr id="6" name="Picture 5" descr="Screen Shot 2015-12-02 at 2.13.52 PM.png"/>
+          <p:cNvPicPr>
+            <a:picLocks noChangeAspect="1"/>
+          </p:cNvPicPr>
+          <p:nvPr/>
+        </p:nvPicPr>
+        <p:blipFill>
+          <a:blip r:embed="rId2"/>
+          <a:stretch>
+            <a:fillRect/>
+          </a:stretch>
+        </p:blipFill>
+        <p:spPr>
+          <a:xfrm>
+            <a:off x="2798525" y="3817639"/>
+            <a:ext cx="3240053" cy="1493641"/>
+          </a:xfrm>
+          <a:prstGeom prst="rect">
+            <a:avLst/>
+          </a:prstGeom>
+        </p:spPr>
+      </p:pic>
+    </p:spTree>
+  </p:cSld>
+  <p:clrMapOvr>
+    <a:masterClrMapping/>
+  </p:clrMapOvr>
+</p:sld>
+</file>
+
+<file path=ppt/slides/slide7.xml><?xml version="1.0" encoding="utf-8"?>
+<p:sld xmlns:a="http://schemas.openxmlformats.org/drawingml/2006/main" xmlns:r="http://schemas.openxmlformats.org/officeDocument/2006/relationships" xmlns:mc="http://schemas.openxmlformats.org/markup-compatibility/2006" xmlns:mv="urn:schemas-microsoft-com:mac:vml" xmlns:p="http://schemas.openxmlformats.org/presentationml/2006/main" mc:Ignorable="mv" mc:PreserveAttributes="mv:*">
+  <p:cSld>
+    <p:spTree>
+      <p:nvGrpSpPr>
+        <p:cNvPr id="1" name=""/>
+        <p:cNvGrpSpPr/>
+        <p:nvPr/>
+      </p:nvGrpSpPr>
+      <p:grpSpPr>
+        <a:xfrm>
+          <a:off x="0" y="0"/>
+          <a:ext cx="0" cy="0"/>
+          <a:chOff x="0" y="0"/>
+          <a:chExt cx="0" cy="0"/>
+        </a:xfrm>
+      </p:grpSpPr>
+      <p:sp>
+        <p:nvSpPr>
+          <p:cNvPr id="2" name="Title 1"/>
+          <p:cNvSpPr>
+            <a:spLocks noGrp="1"/>
+          </p:cNvSpPr>
+          <p:nvPr>
+            <p:ph type="title"/>
+          </p:nvPr>
+        </p:nvSpPr>
+        <p:spPr/>
+        <p:txBody>
+          <a:bodyPr/>
+          <a:lstStyle/>
+          <a:p>
+            <a:r>
+              <a:rPr lang="en-US" dirty="0" err="1" smtClean="0">
+                <a:latin typeface="Helvetica"/>
+                <a:cs typeface="Helvetica"/>
+              </a:rPr>
+              <a:t>Backprop</a:t>
+            </a:r>
+            <a:endParaRPr lang="en-US" dirty="0">
+              <a:latin typeface="Helvetica"/>
+              <a:cs typeface="Helvetica"/>
+            </a:endParaRPr>
+          </a:p>
+        </p:txBody>
+      </p:sp>
+      <p:pic>
+        <p:nvPicPr>
+          <p:cNvPr id="9" name="Picture 8"/>
+          <p:cNvPicPr>
+            <a:picLocks noChangeAspect="1"/>
+          </p:cNvPicPr>
+          <p:nvPr/>
+        </p:nvPicPr>
+        <p:blipFill>
+          <a:blip r:embed="rId2"/>
+          <a:stretch>
+            <a:fillRect/>
+          </a:stretch>
+        </p:blipFill>
+        <p:spPr>
+          <a:xfrm>
+            <a:off x="208526" y="1632703"/>
+            <a:ext cx="8939416" cy="3680060"/>
+          </a:xfrm>
+          <a:prstGeom prst="rect">
+            <a:avLst/>
+          </a:prstGeom>
+        </p:spPr>
+      </p:pic>
+    </p:spTree>
+  </p:cSld>
+  <p:clrMapOvr>
+    <a:masterClrMapping/>
+  </p:clrMapOvr>
+</p:sld>
+</file>
+
+<file path=ppt/slides/slide8.xml><?xml version="1.0" encoding="utf-8"?>
+<p:sld xmlns:a="http://schemas.openxmlformats.org/drawingml/2006/main" xmlns:r="http://schemas.openxmlformats.org/officeDocument/2006/relationships" xmlns:mc="http://schemas.openxmlformats.org/markup-compatibility/2006" xmlns:mv="urn:schemas-microsoft-com:mac:vml" xmlns:p="http://schemas.openxmlformats.org/presentationml/2006/main" mc:Ignorable="mv" mc:PreserveAttributes="mv:*">
+  <p:cSld>
+    <p:spTree>
+      <p:nvGrpSpPr>
+        <p:cNvPr id="1" name=""/>
+        <p:cNvGrpSpPr/>
+        <p:nvPr/>
+      </p:nvGrpSpPr>
+      <p:grpSpPr>
+        <a:xfrm>
+          <a:off x="0" y="0"/>
+          <a:ext cx="0" cy="0"/>
+          <a:chOff x="0" y="0"/>
+          <a:chExt cx="0" cy="0"/>
+        </a:xfrm>
+      </p:grpSpPr>
+      <p:sp>
+        <p:nvSpPr>
+          <p:cNvPr id="2" name="Title 1"/>
+          <p:cNvSpPr>
+            <a:spLocks noGrp="1"/>
+          </p:cNvSpPr>
+          <p:nvPr>
+            <p:ph type="title"/>
+          </p:nvPr>
+        </p:nvSpPr>
+        <p:spPr/>
+        <p:txBody>
+          <a:bodyPr/>
+          <a:lstStyle/>
+          <a:p>
+            <a:r>
+              <a:rPr lang="en-US" dirty="0" smtClean="0">
+                <a:latin typeface="Helvetica"/>
+                <a:cs typeface="Helvetica"/>
+              </a:rPr>
+              <a:t>Visually Representing Sound </a:t>
+            </a:r>
+            <a:endParaRPr lang="en-US" dirty="0">
+              <a:latin typeface="Helvetica"/>
+              <a:cs typeface="Helvetica"/>
+            </a:endParaRPr>
+          </a:p>
+        </p:txBody>
+      </p:sp>
+      <p:pic>
+        <p:nvPicPr>
+          <p:cNvPr id="6" name="Content Placeholder 5" descr="a_f.png"/>
+          <p:cNvPicPr>
+            <a:picLocks noGrp="1" noChangeAspect="1"/>
+          </p:cNvPicPr>
+          <p:nvPr>
+            <p:ph idx="1"/>
+          </p:nvPr>
+        </p:nvPicPr>
+        <p:blipFill>
+          <a:blip r:embed="rId2"/>
+          <a:srcRect l="-18187" r="-18187"/>
+          <a:stretch>
+            <a:fillRect/>
+          </a:stretch>
+        </p:blipFill>
+        <p:spPr>
+          <a:xfrm>
+            <a:off x="-287218" y="1630687"/>
+            <a:ext cx="6271045" cy="3448834"/>
+          </a:xfrm>
+        </p:spPr>
+      </p:pic>
+      <p:sp>
+        <p:nvSpPr>
+          <p:cNvPr id="7" name="TextBox 6"/>
+          <p:cNvSpPr txBox="1"/>
+          <p:nvPr/>
+        </p:nvSpPr>
+        <p:spPr>
+          <a:xfrm>
+            <a:off x="1969727" y="5079521"/>
+            <a:ext cx="1321790" cy="400110"/>
+          </a:xfrm>
+          <a:prstGeom prst="rect">
+            <a:avLst/>
+          </a:prstGeom>
+          <a:noFill/>
+        </p:spPr>
+        <p:txBody>
+          <a:bodyPr wrap="square" rtlCol="0">
+            <a:spAutoFit/>
+          </a:bodyPr>
+          <a:lstStyle/>
+          <a:p>
+            <a:r>
+              <a:rPr lang="en-US" sz="2000" dirty="0" smtClean="0">
+                <a:latin typeface="Helvetica"/>
+                <a:cs typeface="Helvetica"/>
+              </a:rPr>
+              <a:t>Amplitude</a:t>
+            </a:r>
+            <a:endParaRPr lang="en-US" sz="2000" dirty="0">
+              <a:latin typeface="Helvetica"/>
+              <a:cs typeface="Helvetica"/>
+            </a:endParaRPr>
+          </a:p>
+        </p:txBody>
+      </p:sp>
+      <p:pic>
+        <p:nvPicPr>
+          <p:cNvPr id="8" name="Picture 7" descr="tsu_f.png"/>
+          <p:cNvPicPr>
+            <a:picLocks noChangeAspect="1"/>
+          </p:cNvPicPr>
+          <p:nvPr/>
+        </p:nvPicPr>
+        <p:blipFill>
+          <a:blip r:embed="rId3"/>
+          <a:srcRect r="16128"/>
+          <a:stretch>
+            <a:fillRect/>
+          </a:stretch>
+        </p:blipFill>
+        <p:spPr>
+          <a:xfrm>
+            <a:off x="4346547" y="1599909"/>
+            <a:ext cx="4340253" cy="3479612"/>
+          </a:xfrm>
+          <a:prstGeom prst="rect">
+            <a:avLst/>
+          </a:prstGeom>
+        </p:spPr>
+      </p:pic>
+      <p:sp>
+        <p:nvSpPr>
+          <p:cNvPr id="9" name="TextBox 8"/>
+          <p:cNvSpPr txBox="1"/>
+          <p:nvPr/>
+        </p:nvSpPr>
+        <p:spPr>
+          <a:xfrm>
+            <a:off x="5983827" y="5110299"/>
+            <a:ext cx="1321790" cy="369332"/>
+          </a:xfrm>
+          <a:prstGeom prst="rect">
+            <a:avLst/>
+          </a:prstGeom>
+          <a:noFill/>
+        </p:spPr>
+        <p:txBody>
+          <a:bodyPr wrap="square" rtlCol="0">
+            <a:spAutoFit/>
+          </a:bodyPr>
+          <a:lstStyle/>
+          <a:p>
+            <a:r>
+              <a:rPr lang="en-US" dirty="0" smtClean="0">
+                <a:latin typeface="Helvetica"/>
+                <a:cs typeface="Helvetica"/>
+              </a:rPr>
+              <a:t>FFT</a:t>
+            </a:r>
+            <a:endParaRPr lang="en-US" dirty="0">
+              <a:latin typeface="Helvetica"/>
+              <a:cs typeface="Helvetica"/>
+            </a:endParaRPr>
+          </a:p>
+        </p:txBody>
+      </p:sp>
+    </p:spTree>
+  </p:cSld>
+  <p:clrMapOvr>
+    <a:masterClrMapping/>
+  </p:clrMapOvr>
+</p:sld>
+</file>
+
+<file path=ppt/slides/slide9.xml><?xml version="1.0" encoding="utf-8"?>
+<p:sld xmlns:a="http://schemas.openxmlformats.org/drawingml/2006/main" xmlns:r="http://schemas.openxmlformats.org/officeDocument/2006/relationships" xmlns:mc="http://schemas.openxmlformats.org/markup-compatibility/2006" xmlns:mv="urn:schemas-microsoft-com:mac:vml" xmlns:p="http://schemas.openxmlformats.org/presentationml/2006/main" mc:Ignorable="mv" mc:PreserveAttributes="mv:*">
+  <p:cSld>
+    <p:spTree>
+      <p:nvGrpSpPr>
+        <p:cNvPr id="1" name=""/>
+        <p:cNvGrpSpPr/>
+        <p:nvPr/>
+      </p:nvGrpSpPr>
+      <p:grpSpPr>
+        <a:xfrm>
+          <a:off x="0" y="0"/>
+          <a:ext cx="0" cy="0"/>
+          <a:chOff x="0" y="0"/>
+          <a:chExt cx="0" cy="0"/>
+        </a:xfrm>
+      </p:grpSpPr>
+      <p:sp>
+        <p:nvSpPr>
+          <p:cNvPr id="2" name="Title 1"/>
+          <p:cNvSpPr>
+            <a:spLocks noGrp="1"/>
+          </p:cNvSpPr>
+          <p:nvPr>
+            <p:ph type="title"/>
+          </p:nvPr>
+        </p:nvSpPr>
+        <p:spPr>
+          <a:xfrm>
+            <a:off x="457200" y="23216"/>
+            <a:ext cx="8229600" cy="1143000"/>
+          </a:xfrm>
+        </p:spPr>
+        <p:txBody>
+          <a:bodyPr/>
+          <a:lstStyle/>
+          <a:p>
+            <a:r>
+              <a:rPr lang="en-US" dirty="0" smtClean="0">
+                <a:latin typeface="Helvetica"/>
+                <a:cs typeface="Helvetica"/>
+              </a:rPr>
+              <a:t>Sonogram</a:t>
+            </a:r>
+            <a:endParaRPr lang="en-US" dirty="0">
+              <a:latin typeface="Helvetica"/>
+              <a:cs typeface="Helvetica"/>
+            </a:endParaRPr>
+          </a:p>
+        </p:txBody>
+      </p:sp>
+      <p:pic>
+        <p:nvPicPr>
+          <p:cNvPr id="4" name="Content Placeholder 3" descr="ku_f.png"/>
+          <p:cNvPicPr>
+            <a:picLocks noGrp="1" noChangeAspect="1"/>
+          </p:cNvPicPr>
+          <p:nvPr>
+            <p:ph idx="1"/>
+          </p:nvPr>
+        </p:nvPicPr>
+        <p:blipFill>
+          <a:blip r:embed="rId2"/>
+          <a:srcRect l="-2586" r="-2586"/>
+          <a:stretch>
+            <a:fillRect/>
+          </a:stretch>
+        </p:blipFill>
+        <p:spPr>
+          <a:xfrm>
+            <a:off x="457200" y="1166216"/>
+            <a:ext cx="8812030" cy="4846277"/>
+          </a:xfrm>
+        </p:spPr>
+      </p:pic>
+      <p:cxnSp>
+        <p:nvCxnSpPr>
+          <p:cNvPr id="6" name="Straight Arrow Connector 5"/>
+          <p:cNvCxnSpPr/>
+          <p:nvPr/>
+        </p:nvCxnSpPr>
+        <p:spPr>
+          <a:xfrm>
+            <a:off x="457200" y="6167989"/>
+            <a:ext cx="8445444" cy="12958"/>
+          </a:xfrm>
+          <a:prstGeom prst="straightConnector1">
+            <a:avLst/>
+          </a:prstGeom>
+          <a:ln>
+            <a:solidFill>
+              <a:schemeClr val="tx1"/>
+            </a:solidFill>
+            <a:tailEnd type="arrow"/>
+          </a:ln>
+        </p:spPr>
+        <p:style>
+          <a:lnRef idx="2">
+            <a:schemeClr val="accent1"/>
+          </a:lnRef>
+          <a:fillRef idx="0">
+            <a:schemeClr val="accent1"/>
+          </a:fillRef>
+          <a:effectRef idx="1">
+            <a:schemeClr val="accent1"/>
+          </a:effectRef>
+          <a:fontRef idx="minor">
+            <a:schemeClr val="tx1"/>
+          </a:fontRef>
+        </p:style>
+      </p:cxnSp>
+      <p:cxnSp>
+        <p:nvCxnSpPr>
+          <p:cNvPr id="8" name="Straight Arrow Connector 7"/>
+          <p:cNvCxnSpPr/>
+          <p:nvPr/>
+        </p:nvCxnSpPr>
+        <p:spPr>
+          <a:xfrm rot="5400000" flipH="1" flipV="1">
+            <a:off x="-2043686" y="3667103"/>
+            <a:ext cx="5001773" cy="1588"/>
+          </a:xfrm>
+          <a:prstGeom prst="straightConnector1">
+            <a:avLst/>
+          </a:prstGeom>
+          <a:ln>
+            <a:solidFill>
+              <a:srgbClr val="000000"/>
+            </a:solidFill>
+            <a:tailEnd type="arrow"/>
+          </a:ln>
+        </p:spPr>
+        <p:style>
+          <a:lnRef idx="2">
+            <a:schemeClr val="accent1"/>
+          </a:lnRef>
+          <a:fillRef idx="0">
+            <a:schemeClr val="accent1"/>
+          </a:fillRef>
+          <a:effectRef idx="1">
+            <a:schemeClr val="accent1"/>
+          </a:effectRef>
+          <a:fontRef idx="minor">
+            <a:schemeClr val="tx1"/>
+          </a:fontRef>
+        </p:style>
+      </p:cxnSp>
+      <p:sp>
+        <p:nvSpPr>
+          <p:cNvPr id="9" name="TextBox 8"/>
+          <p:cNvSpPr txBox="1"/>
+          <p:nvPr/>
+        </p:nvSpPr>
+        <p:spPr>
+          <a:xfrm>
+            <a:off x="4457801" y="6180947"/>
+            <a:ext cx="894152" cy="400110"/>
+          </a:xfrm>
+          <a:prstGeom prst="rect">
+            <a:avLst/>
+          </a:prstGeom>
+          <a:noFill/>
+        </p:spPr>
+        <p:txBody>
+          <a:bodyPr wrap="square" rtlCol="0">
+            <a:spAutoFit/>
+          </a:bodyPr>
+          <a:lstStyle/>
+          <a:p>
+            <a:r>
+              <a:rPr lang="en-US" sz="2000" dirty="0" smtClean="0">
+                <a:latin typeface="Helvetica"/>
+                <a:cs typeface="Helvetica"/>
+              </a:rPr>
+              <a:t>Time</a:t>
+            </a:r>
+            <a:endParaRPr lang="en-US" sz="2000" dirty="0">
+              <a:latin typeface="Helvetica"/>
+              <a:cs typeface="Helvetica"/>
+            </a:endParaRPr>
+          </a:p>
+        </p:txBody>
+      </p:sp>
+      <p:sp>
+        <p:nvSpPr>
+          <p:cNvPr id="10" name="TextBox 9"/>
+          <p:cNvSpPr txBox="1"/>
+          <p:nvPr/>
+        </p:nvSpPr>
+        <p:spPr>
+          <a:xfrm rot="16200000">
+            <a:off x="-1989442" y="3156454"/>
+            <a:ext cx="4378997" cy="400110"/>
+          </a:xfrm>
+          <a:prstGeom prst="rect">
+            <a:avLst/>
+          </a:prstGeom>
+          <a:noFill/>
+        </p:spPr>
+        <p:txBody>
+          <a:bodyPr wrap="square" rtlCol="0">
+            <a:spAutoFit/>
+          </a:bodyPr>
+          <a:lstStyle/>
+          <a:p>
+            <a:r>
+              <a:rPr lang="en-US" sz="2000" dirty="0" smtClean="0">
+                <a:latin typeface="Helvetica"/>
+                <a:cs typeface="Helvetica"/>
+              </a:rPr>
+              <a:t>Frequency (logarithmically scaled)</a:t>
+            </a:r>
+            <a:endParaRPr lang="en-US" sz="2000" dirty="0">
+              <a:latin typeface="Helvetica"/>
+              <a:cs typeface="Helvetica"/>
+            </a:endParaRPr>
+          </a:p>
+        </p:txBody>
+      </p:sp>
+    </p:spTree>
+  </p:cSld>
+  <p:clrMapOvr>
+    <a:masterClrMapping/>
+  </p:clrMapOvr>
+  <p:timing>
+    <p:tnLst>
+      <p:par>
+        <p:cTn id="1" dur="indefinite" restart="never" nodeType="tmRoot"/>
+      </p:par>
+    </p:tnLst>
+  </p:timing>
 </p:sld>
 </file>
 
@@ -4060,4 +7123,322 @@
   </a:objectDefaults>
   <a:extraClrSchemeLst/>
 </a:theme>
+</file>
+
+<file path=ppt/theme/theme2.xml><?xml version="1.0" encoding="utf-8"?>
+<a:theme xmlns:a="http://schemas.openxmlformats.org/drawingml/2006/main" name="Office Theme">
+  <a:themeElements>
+    <a:clrScheme name="Office">
+      <a:dk1>
+        <a:sysClr val="windowText" lastClr="000000"/>
+      </a:dk1>
+      <a:lt1>
+        <a:sysClr val="window" lastClr="FFFFFF"/>
+      </a:lt1>
+      <a:dk2>
+        <a:srgbClr val="1F497D"/>
+      </a:dk2>
+      <a:lt2>
+        <a:srgbClr val="EEECE1"/>
+      </a:lt2>
+      <a:accent1>
+        <a:srgbClr val="4F81BD"/>
+      </a:accent1>
+      <a:accent2>
+        <a:srgbClr val="C0504D"/>
+      </a:accent2>
+      <a:accent3>
+        <a:srgbClr val="9BBB59"/>
+      </a:accent3>
+      <a:accent4>
+        <a:srgbClr val="8064A2"/>
+      </a:accent4>
+      <a:accent5>
+        <a:srgbClr val="4BACC6"/>
+      </a:accent5>
+      <a:accent6>
+        <a:srgbClr val="F79646"/>
+      </a:accent6>
+      <a:hlink>
+        <a:srgbClr val="0000FF"/>
+      </a:hlink>
+      <a:folHlink>
+        <a:srgbClr val="800080"/>
+      </a:folHlink>
+    </a:clrScheme>
+    <a:fontScheme name="Office">
+      <a:majorFont>
+        <a:latin typeface="Calibri"/>
+        <a:ea typeface=""/>
+        <a:cs typeface=""/>
+        <a:font script="Jpan" typeface="ＭＳ Ｐゴシック"/>
+        <a:font script="Hang" typeface="맑은 고딕"/>
+        <a:font script="Hans" typeface="宋体"/>
+        <a:font script="Hant" typeface="新細明體"/>
+        <a:font script="Arab" typeface="Times New Roman"/>
+        <a:font script="Hebr" typeface="Times New Roman"/>
+        <a:font script="Thai" typeface="Angsana New"/>
+        <a:font script="Ethi" typeface="Nyala"/>
+        <a:font script="Beng" typeface="Vrinda"/>
+        <a:font script="Gujr" typeface="Shruti"/>
+        <a:font script="Khmr" typeface="MoolBoran"/>
+        <a:font script="Knda" typeface="Tunga"/>
+        <a:font script="Guru" typeface="Raavi"/>
+        <a:font script="Cans" typeface="Euphemia"/>
+        <a:font script="Cher" typeface="Plantagenet Cherokee"/>
+        <a:font script="Yiii" typeface="Microsoft Yi Baiti"/>
+        <a:font script="Tibt" typeface="Microsoft Himalaya"/>
+        <a:font script="Thaa" typeface="MV Boli"/>
+        <a:font script="Deva" typeface="Mangal"/>
+        <a:font script="Telu" typeface="Gautami"/>
+        <a:font script="Taml" typeface="Latha"/>
+        <a:font script="Syrc" typeface="Estrangelo Edessa"/>
+        <a:font script="Orya" typeface="Kalinga"/>
+        <a:font script="Mlym" typeface="Kartika"/>
+        <a:font script="Laoo" typeface="DokChampa"/>
+        <a:font script="Sinh" typeface="Iskoola Pota"/>
+        <a:font script="Mong" typeface="Mongolian Baiti"/>
+        <a:font script="Viet" typeface="Times New Roman"/>
+        <a:font script="Uigh" typeface="Microsoft Uighur"/>
+      </a:majorFont>
+      <a:minorFont>
+        <a:latin typeface="Calibri"/>
+        <a:ea typeface=""/>
+        <a:cs typeface=""/>
+        <a:font script="Jpan" typeface="ＭＳ Ｐゴシック"/>
+        <a:font script="Hang" typeface="맑은 고딕"/>
+        <a:font script="Hans" typeface="宋体"/>
+        <a:font script="Hant" typeface="新細明體"/>
+        <a:font script="Arab" typeface="Arial"/>
+        <a:font script="Hebr" typeface="Arial"/>
+        <a:font script="Thai" typeface="Cordia New"/>
+        <a:font script="Ethi" typeface="Nyala"/>
+        <a:font script="Beng" typeface="Vrinda"/>
+        <a:font script="Gujr" typeface="Shruti"/>
+        <a:font script="Khmr" typeface="DaunPenh"/>
+        <a:font script="Knda" typeface="Tunga"/>
+        <a:font script="Guru" typeface="Raavi"/>
+        <a:font script="Cans" typeface="Euphemia"/>
+        <a:font script="Cher" typeface="Plantagenet Cherokee"/>
+        <a:font script="Yiii" typeface="Microsoft Yi Baiti"/>
+        <a:font script="Tibt" typeface="Microsoft Himalaya"/>
+        <a:font script="Thaa" typeface="MV Boli"/>
+        <a:font script="Deva" typeface="Mangal"/>
+        <a:font script="Telu" typeface="Gautami"/>
+        <a:font script="Taml" typeface="Latha"/>
+        <a:font script="Syrc" typeface="Estrangelo Edessa"/>
+        <a:font script="Orya" typeface="Kalinga"/>
+        <a:font script="Mlym" typeface="Kartika"/>
+        <a:font script="Laoo" typeface="DokChampa"/>
+        <a:font script="Sinh" typeface="Iskoola Pota"/>
+        <a:font script="Mong" typeface="Mongolian Baiti"/>
+        <a:font script="Viet" typeface="Arial"/>
+        <a:font script="Uigh" typeface="Microsoft Uighur"/>
+      </a:minorFont>
+    </a:fontScheme>
+    <a:fmtScheme name="Office">
+      <a:fillStyleLst>
+        <a:solidFill>
+          <a:schemeClr val="phClr"/>
+        </a:solidFill>
+        <a:gradFill rotWithShape="1">
+          <a:gsLst>
+            <a:gs pos="0">
+              <a:schemeClr val="phClr">
+                <a:tint val="50000"/>
+                <a:satMod val="300000"/>
+              </a:schemeClr>
+            </a:gs>
+            <a:gs pos="35000">
+              <a:schemeClr val="phClr">
+                <a:tint val="37000"/>
+                <a:satMod val="300000"/>
+              </a:schemeClr>
+            </a:gs>
+            <a:gs pos="100000">
+              <a:schemeClr val="phClr">
+                <a:tint val="15000"/>
+                <a:satMod val="350000"/>
+              </a:schemeClr>
+            </a:gs>
+          </a:gsLst>
+          <a:lin ang="16200000" scaled="1"/>
+        </a:gradFill>
+        <a:gradFill rotWithShape="1">
+          <a:gsLst>
+            <a:gs pos="0">
+              <a:schemeClr val="phClr">
+                <a:tint val="100000"/>
+                <a:shade val="100000"/>
+                <a:satMod val="130000"/>
+              </a:schemeClr>
+            </a:gs>
+            <a:gs pos="100000">
+              <a:schemeClr val="phClr">
+                <a:tint val="50000"/>
+                <a:shade val="100000"/>
+                <a:satMod val="350000"/>
+              </a:schemeClr>
+            </a:gs>
+          </a:gsLst>
+          <a:lin ang="16200000" scaled="0"/>
+        </a:gradFill>
+      </a:fillStyleLst>
+      <a:lnStyleLst>
+        <a:ln w="9525" cap="flat" cmpd="sng" algn="ctr">
+          <a:solidFill>
+            <a:schemeClr val="phClr">
+              <a:shade val="95000"/>
+              <a:satMod val="105000"/>
+            </a:schemeClr>
+          </a:solidFill>
+          <a:prstDash val="solid"/>
+        </a:ln>
+        <a:ln w="25400" cap="flat" cmpd="sng" algn="ctr">
+          <a:solidFill>
+            <a:schemeClr val="phClr"/>
+          </a:solidFill>
+          <a:prstDash val="solid"/>
+        </a:ln>
+        <a:ln w="38100" cap="flat" cmpd="sng" algn="ctr">
+          <a:solidFill>
+            <a:schemeClr val="phClr"/>
+          </a:solidFill>
+          <a:prstDash val="solid"/>
+        </a:ln>
+      </a:lnStyleLst>
+      <a:effectStyleLst>
+        <a:effectStyle>
+          <a:effectLst>
+            <a:outerShdw blurRad="40000" dist="20000" dir="5400000" rotWithShape="0">
+              <a:srgbClr val="000000">
+                <a:alpha val="38000"/>
+              </a:srgbClr>
+            </a:outerShdw>
+          </a:effectLst>
+        </a:effectStyle>
+        <a:effectStyle>
+          <a:effectLst>
+            <a:outerShdw blurRad="40000" dist="23000" dir="5400000" rotWithShape="0">
+              <a:srgbClr val="000000">
+                <a:alpha val="35000"/>
+              </a:srgbClr>
+            </a:outerShdw>
+          </a:effectLst>
+        </a:effectStyle>
+        <a:effectStyle>
+          <a:effectLst>
+            <a:outerShdw blurRad="40000" dist="23000" dir="5400000" rotWithShape="0">
+              <a:srgbClr val="000000">
+                <a:alpha val="35000"/>
+              </a:srgbClr>
+            </a:outerShdw>
+          </a:effectLst>
+          <a:scene3d>
+            <a:camera prst="orthographicFront">
+              <a:rot lat="0" lon="0" rev="0"/>
+            </a:camera>
+            <a:lightRig rig="threePt" dir="t">
+              <a:rot lat="0" lon="0" rev="1200000"/>
+            </a:lightRig>
+          </a:scene3d>
+          <a:sp3d>
+            <a:bevelT w="63500" h="25400"/>
+          </a:sp3d>
+        </a:effectStyle>
+      </a:effectStyleLst>
+      <a:bgFillStyleLst>
+        <a:solidFill>
+          <a:schemeClr val="phClr"/>
+        </a:solidFill>
+        <a:gradFill rotWithShape="1">
+          <a:gsLst>
+            <a:gs pos="0">
+              <a:schemeClr val="phClr">
+                <a:tint val="40000"/>
+                <a:satMod val="350000"/>
+              </a:schemeClr>
+            </a:gs>
+            <a:gs pos="40000">
+              <a:schemeClr val="phClr">
+                <a:tint val="45000"/>
+                <a:shade val="99000"/>
+                <a:satMod val="350000"/>
+              </a:schemeClr>
+            </a:gs>
+            <a:gs pos="100000">
+              <a:schemeClr val="phClr">
+                <a:shade val="20000"/>
+                <a:satMod val="255000"/>
+              </a:schemeClr>
+            </a:gs>
+          </a:gsLst>
+          <a:path path="circle">
+            <a:fillToRect l="50000" t="-80000" r="50000" b="180000"/>
+          </a:path>
+        </a:gradFill>
+        <a:gradFill rotWithShape="1">
+          <a:gsLst>
+            <a:gs pos="0">
+              <a:schemeClr val="phClr">
+                <a:tint val="80000"/>
+                <a:satMod val="300000"/>
+              </a:schemeClr>
+            </a:gs>
+            <a:gs pos="100000">
+              <a:schemeClr val="phClr">
+                <a:shade val="30000"/>
+                <a:satMod val="200000"/>
+              </a:schemeClr>
+            </a:gs>
+          </a:gsLst>
+          <a:path path="circle">
+            <a:fillToRect l="50000" t="50000" r="50000" b="50000"/>
+          </a:path>
+        </a:gradFill>
+      </a:bgFillStyleLst>
+    </a:fmtScheme>
+  </a:themeElements>
+  <a:objectDefaults>
+    <a:spDef>
+      <a:spPr/>
+      <a:bodyPr/>
+      <a:lstStyle/>
+      <a:style>
+        <a:lnRef idx="1">
+          <a:schemeClr val="accent1"/>
+        </a:lnRef>
+        <a:fillRef idx="3">
+          <a:schemeClr val="accent1"/>
+        </a:fillRef>
+        <a:effectRef idx="2">
+          <a:schemeClr val="accent1"/>
+        </a:effectRef>
+        <a:fontRef idx="minor">
+          <a:schemeClr val="lt1"/>
+        </a:fontRef>
+      </a:style>
+    </a:spDef>
+    <a:lnDef>
+      <a:spPr/>
+      <a:bodyPr/>
+      <a:lstStyle/>
+      <a:style>
+        <a:lnRef idx="2">
+          <a:schemeClr val="accent1"/>
+        </a:lnRef>
+        <a:fillRef idx="0">
+          <a:schemeClr val="accent1"/>
+        </a:fillRef>
+        <a:effectRef idx="1">
+          <a:schemeClr val="accent1"/>
+        </a:effectRef>
+        <a:fontRef idx="minor">
+          <a:schemeClr val="tx1"/>
+        </a:fontRef>
+      </a:style>
+    </a:lnDef>
+  </a:objectDefaults>
+  <a:extraClrSchemeLst/>
+</a:theme>
 </file>